--- a/DivideAndConquer/해설/문제풀이.pptx
+++ b/DivideAndConquer/해설/문제풀이.pptx
@@ -21,13 +21,11 @@
     <p:sldId id="270" r:id="rId15"/>
     <p:sldId id="271" r:id="rId16"/>
     <p:sldId id="272" r:id="rId17"/>
-    <p:sldId id="273" r:id="rId18"/>
-    <p:sldId id="274" r:id="rId19"/>
-    <p:sldId id="275" r:id="rId20"/>
-    <p:sldId id="276" r:id="rId21"/>
-    <p:sldId id="278" r:id="rId22"/>
-    <p:sldId id="277" r:id="rId23"/>
-    <p:sldId id="279" r:id="rId24"/>
+    <p:sldId id="274" r:id="rId18"/>
+    <p:sldId id="276" r:id="rId19"/>
+    <p:sldId id="278" r:id="rId20"/>
+    <p:sldId id="277" r:id="rId21"/>
+    <p:sldId id="279" r:id="rId22"/>
   </p:sldIdLst>
   <p:sldSz cx="12192000" cy="6858000"/>
   <p:notesSz cx="6858000" cy="9144000"/>
@@ -6804,19 +6802,10 @@
                 <a14:m>
                   <m:oMath xmlns:m="http://schemas.openxmlformats.org/officeDocument/2006/math">
                     <m:r>
-                      <m:rPr>
-                        <m:sty m:val="p"/>
-                      </m:rPr>
-                      <a:rPr lang="en-US" altLang="ko-KR" i="1" dirty="0" smtClean="0">
-                        <a:latin typeface="Cambria Math" panose="02040503050406030204" pitchFamily="18" charset="0"/>
-                      </a:rPr>
-                      <m:t>p</m:t>
-                    </m:r>
-                    <m:r>
                       <a:rPr lang="en-US" altLang="ko-KR" b="0" i="1" dirty="0" smtClean="0">
                         <a:latin typeface="Cambria Math" panose="02040503050406030204" pitchFamily="18" charset="0"/>
                       </a:rPr>
-                      <m:t>𝑟𝑒𝑜</m:t>
+                      <m:t>𝑃𝑜𝑠𝑡𝑜</m:t>
                     </m:r>
                     <m:r>
                       <a:rPr lang="en-US" altLang="ko-KR" i="1" dirty="0" smtClean="0">
@@ -6958,7 +6947,7 @@
                               <a:rPr lang="en-US" altLang="ko-KR" b="0" i="1" dirty="0" smtClean="0">
                                 <a:latin typeface="Cambria Math" panose="02040503050406030204" pitchFamily="18" charset="0"/>
                               </a:rPr>
-                              <m:t>𝑛𝑢𝑙𝑙</m:t>
+                              <m:t>𝑒𝑚𝑝𝑡𝑦</m:t>
                             </m:r>
                             <m:r>
                               <a:rPr lang="en-US" altLang="ko-KR" b="0" i="1" dirty="0" smtClean="0">
@@ -7032,46 +7021,39 @@
                               <a:rPr lang="en-US" altLang="ko-KR" b="0" i="1" smtClean="0">
                                 <a:latin typeface="Cambria Math" panose="02040503050406030204" pitchFamily="18" charset="0"/>
                               </a:rPr>
-                              <m:t>𝑣𝑖𝑠𝑖𝑡𝑒𝑑</m:t>
+                              <m:t>𝑣𝑖𝑠𝑖𝑡</m:t>
                             </m:r>
-                            <m:d>
-                              <m:dPr>
-                                <m:begChr m:val="["/>
-                                <m:endChr m:val="]"/>
+                            <m:sSub>
+                              <m:sSubPr>
                                 <m:ctrlPr>
+                                  <a:rPr lang="en-US" altLang="ko-KR" i="1" smtClean="0">
+                                    <a:latin typeface="Cambria Math" panose="02040503050406030204" pitchFamily="18" charset="0"/>
+                                  </a:rPr>
+                                </m:ctrlPr>
+                              </m:sSubPr>
+                              <m:e>
+                                <m:r>
                                   <a:rPr lang="en-US" altLang="ko-KR" b="0" i="1" smtClean="0">
                                     <a:latin typeface="Cambria Math" panose="02040503050406030204" pitchFamily="18" charset="0"/>
                                   </a:rPr>
-                                </m:ctrlPr>
-                              </m:dPr>
-                              <m:e>
-                                <m:sSub>
-                                  <m:sSubPr>
-                                    <m:ctrlPr>
-                                      <a:rPr lang="en-US" altLang="ko-KR" i="1" smtClean="0">
-                                        <a:latin typeface="Cambria Math" panose="02040503050406030204" pitchFamily="18" charset="0"/>
-                                      </a:rPr>
-                                    </m:ctrlPr>
-                                  </m:sSubPr>
-                                  <m:e>
-                                    <m:r>
-                                      <a:rPr lang="en-US" altLang="ko-KR" b="0" i="1" smtClean="0">
-                                        <a:latin typeface="Cambria Math" panose="02040503050406030204" pitchFamily="18" charset="0"/>
-                                      </a:rPr>
-                                      <m:t>𝑅𝑜𝑜𝑡</m:t>
-                                    </m:r>
-                                  </m:e>
-                                  <m:sub>
-                                    <m:r>
-                                      <a:rPr lang="en-US" altLang="ko-KR" b="0" i="1" smtClean="0">
-                                        <a:latin typeface="Cambria Math" panose="02040503050406030204" pitchFamily="18" charset="0"/>
-                                      </a:rPr>
-                                      <m:t>𝑇</m:t>
-                                    </m:r>
-                                  </m:sub>
-                                </m:sSub>
+                                  <m:t> </m:t>
+                                </m:r>
+                                <m:r>
+                                  <a:rPr lang="en-US" altLang="ko-KR" b="0" i="1" smtClean="0">
+                                    <a:latin typeface="Cambria Math" panose="02040503050406030204" pitchFamily="18" charset="0"/>
+                                  </a:rPr>
+                                  <m:t>𝑅𝑜𝑜𝑡</m:t>
+                                </m:r>
                               </m:e>
-                            </m:d>
+                              <m:sub>
+                                <m:r>
+                                  <a:rPr lang="en-US" altLang="ko-KR" b="0" i="1" smtClean="0">
+                                    <a:latin typeface="Cambria Math" panose="02040503050406030204" pitchFamily="18" charset="0"/>
+                                  </a:rPr>
+                                  <m:t>𝑇</m:t>
+                                </m:r>
+                              </m:sub>
+                            </m:sSub>
                             <m:r>
                               <a:rPr lang="en-US" altLang="ko-KR" b="0" i="1" smtClean="0">
                                 <a:latin typeface="Cambria Math" panose="02040503050406030204" pitchFamily="18" charset="0"/>
@@ -7140,987 +7122,6 @@
                       <a:rPr lang="en-US" altLang="ko-KR" b="0" i="1" dirty="0" smtClean="0">
                         <a:latin typeface="Cambria Math" panose="02040503050406030204" pitchFamily="18" charset="0"/>
                       </a:rPr>
-                      <m:t>𝑃𝑟𝑒</m:t>
-                    </m:r>
-                    <m:r>
-                      <a:rPr lang="en-US" altLang="ko-KR" i="1" dirty="0" smtClean="0">
-                        <a:latin typeface="Cambria Math" panose="02040503050406030204" pitchFamily="18" charset="0"/>
-                      </a:rPr>
-                      <m:t>𝑜𝑟𝑑𝑒𝑟</m:t>
-                    </m:r>
-                    <m:d>
-                      <m:dPr>
-                        <m:ctrlPr>
-                          <a:rPr lang="en-US" altLang="ko-KR" i="1" dirty="0" smtClean="0">
-                            <a:latin typeface="Cambria Math" panose="02040503050406030204" pitchFamily="18" charset="0"/>
-                          </a:rPr>
-                        </m:ctrlPr>
-                      </m:dPr>
-                      <m:e>
-                        <m:r>
-                          <a:rPr lang="en-US" altLang="ko-KR" i="1" dirty="0" smtClean="0">
-                            <a:latin typeface="Cambria Math" panose="02040503050406030204" pitchFamily="18" charset="0"/>
-                          </a:rPr>
-                          <m:t>𝑇</m:t>
-                        </m:r>
-                      </m:e>
-                    </m:d>
-                    <m:d>
-                      <m:dPr>
-                        <m:begChr m:val="{"/>
-                        <m:endChr m:val=""/>
-                        <m:ctrlPr>
-                          <a:rPr lang="en-US" altLang="ko-KR" i="1" dirty="0" smtClean="0">
-                            <a:latin typeface="Cambria Math" panose="02040503050406030204" pitchFamily="18" charset="0"/>
-                          </a:rPr>
-                        </m:ctrlPr>
-                      </m:dPr>
-                      <m:e>
-                        <m:eqArr>
-                          <m:eqArrPr>
-                            <m:ctrlPr>
-                              <a:rPr lang="en-US" altLang="ko-KR" i="1" dirty="0" smtClean="0">
-                                <a:latin typeface="Cambria Math" panose="02040503050406030204" pitchFamily="18" charset="0"/>
-                              </a:rPr>
-                            </m:ctrlPr>
-                          </m:eqArrPr>
-                          <m:e>
-                            <m:r>
-                              <a:rPr lang="en-US" altLang="ko-KR" b="0" i="1" dirty="0" smtClean="0">
-                                <a:latin typeface="Cambria Math" panose="02040503050406030204" pitchFamily="18" charset="0"/>
-                              </a:rPr>
-                              <m:t>𝑟𝑒𝑡𝑢𝑟𝑛</m:t>
-                            </m:r>
-                            <m:r>
-                              <a:rPr lang="en-US" altLang="ko-KR" b="0" i="1" dirty="0" smtClean="0">
-                                <a:latin typeface="Cambria Math" panose="02040503050406030204" pitchFamily="18" charset="0"/>
-                              </a:rPr>
-                              <m:t> </m:t>
-                            </m:r>
-                            <m:r>
-                              <a:rPr lang="en-US" altLang="ko-KR" b="0" i="1" dirty="0" smtClean="0">
-                                <a:latin typeface="Cambria Math" panose="02040503050406030204" pitchFamily="18" charset="0"/>
-                              </a:rPr>
-                              <m:t>𝑖𝑓</m:t>
-                            </m:r>
-                            <m:r>
-                              <a:rPr lang="en-US" altLang="ko-KR" b="0" i="1" dirty="0" smtClean="0">
-                                <a:latin typeface="Cambria Math" panose="02040503050406030204" pitchFamily="18" charset="0"/>
-                              </a:rPr>
-                              <m:t> </m:t>
-                            </m:r>
-                            <m:r>
-                              <a:rPr lang="en-US" altLang="ko-KR" b="0" i="1" dirty="0" smtClean="0">
-                                <a:latin typeface="Cambria Math" panose="02040503050406030204" pitchFamily="18" charset="0"/>
-                              </a:rPr>
-                              <m:t>𝑇</m:t>
-                            </m:r>
-                            <m:r>
-                              <a:rPr lang="en-US" altLang="ko-KR" b="0" i="1" dirty="0" smtClean="0">
-                                <a:latin typeface="Cambria Math" panose="02040503050406030204" pitchFamily="18" charset="0"/>
-                              </a:rPr>
-                              <m:t> </m:t>
-                            </m:r>
-                            <m:r>
-                              <a:rPr lang="en-US" altLang="ko-KR" b="0" i="1" dirty="0" smtClean="0">
-                                <a:latin typeface="Cambria Math" panose="02040503050406030204" pitchFamily="18" charset="0"/>
-                              </a:rPr>
-                              <m:t>𝑖𝑠</m:t>
-                            </m:r>
-                            <m:r>
-                              <a:rPr lang="en-US" altLang="ko-KR" b="0" i="1" dirty="0" smtClean="0">
-                                <a:latin typeface="Cambria Math" panose="02040503050406030204" pitchFamily="18" charset="0"/>
-                              </a:rPr>
-                              <m:t> </m:t>
-                            </m:r>
-                            <m:r>
-                              <a:rPr lang="en-US" altLang="ko-KR" b="0" i="1" dirty="0" smtClean="0">
-                                <a:latin typeface="Cambria Math" panose="02040503050406030204" pitchFamily="18" charset="0"/>
-                              </a:rPr>
-                              <m:t>𝑛𝑢𝑙𝑙</m:t>
-                            </m:r>
-                            <m:r>
-                              <a:rPr lang="en-US" altLang="ko-KR" b="0" i="1" dirty="0" smtClean="0">
-                                <a:latin typeface="Cambria Math" panose="02040503050406030204" pitchFamily="18" charset="0"/>
-                              </a:rPr>
-                              <m:t> </m:t>
-                            </m:r>
-                            <m:r>
-                              <a:rPr lang="en-US" altLang="ko-KR" b="0" i="1" dirty="0" smtClean="0">
-                                <a:latin typeface="Cambria Math" panose="02040503050406030204" pitchFamily="18" charset="0"/>
-                              </a:rPr>
-                              <m:t>𝑡𝑟𝑒𝑒</m:t>
-                            </m:r>
-                            <m:r>
-                              <a:rPr lang="en-US" altLang="ko-KR" b="0" i="1" dirty="0" smtClean="0">
-                                <a:latin typeface="Cambria Math" panose="02040503050406030204" pitchFamily="18" charset="0"/>
-                              </a:rPr>
-                              <m:t> </m:t>
-                            </m:r>
-                          </m:e>
-                          <m:e>
-                            <m:r>
-                              <a:rPr lang="en-US" altLang="ko-KR" b="0" i="1" smtClean="0">
-                                <a:latin typeface="Cambria Math" panose="02040503050406030204" pitchFamily="18" charset="0"/>
-                              </a:rPr>
-                              <m:t>𝑣𝑖𝑠𝑖𝑡𝑒𝑑</m:t>
-                            </m:r>
-                            <m:d>
-                              <m:dPr>
-                                <m:begChr m:val="["/>
-                                <m:endChr m:val="]"/>
-                                <m:ctrlPr>
-                                  <a:rPr lang="en-US" altLang="ko-KR" b="0" i="1" smtClean="0">
-                                    <a:latin typeface="Cambria Math" panose="02040503050406030204" pitchFamily="18" charset="0"/>
-                                  </a:rPr>
-                                </m:ctrlPr>
-                              </m:dPr>
-                              <m:e>
-                                <m:sSub>
-                                  <m:sSubPr>
-                                    <m:ctrlPr>
-                                      <a:rPr lang="en-US" altLang="ko-KR" i="1" smtClean="0">
-                                        <a:latin typeface="Cambria Math" panose="02040503050406030204" pitchFamily="18" charset="0"/>
-                                      </a:rPr>
-                                    </m:ctrlPr>
-                                  </m:sSubPr>
-                                  <m:e>
-                                    <m:r>
-                                      <a:rPr lang="en-US" altLang="ko-KR" b="0" i="1" smtClean="0">
-                                        <a:latin typeface="Cambria Math" panose="02040503050406030204" pitchFamily="18" charset="0"/>
-                                      </a:rPr>
-                                      <m:t>𝑅𝑜𝑜𝑡</m:t>
-                                    </m:r>
-                                  </m:e>
-                                  <m:sub>
-                                    <m:r>
-                                      <a:rPr lang="en-US" altLang="ko-KR" b="0" i="1" smtClean="0">
-                                        <a:latin typeface="Cambria Math" panose="02040503050406030204" pitchFamily="18" charset="0"/>
-                                      </a:rPr>
-                                      <m:t>𝑇</m:t>
-                                    </m:r>
-                                  </m:sub>
-                                </m:sSub>
-                              </m:e>
-                            </m:d>
-                            <m:r>
-                              <a:rPr lang="en-US" altLang="ko-KR" b="0" i="1" smtClean="0">
-                                <a:latin typeface="Cambria Math" panose="02040503050406030204" pitchFamily="18" charset="0"/>
-                              </a:rPr>
-                              <m:t>→</m:t>
-                            </m:r>
-                            <m:r>
-                              <a:rPr lang="en-US" altLang="ko-KR" b="0" i="1" smtClean="0">
-                                <a:latin typeface="Cambria Math" panose="02040503050406030204" pitchFamily="18" charset="0"/>
-                              </a:rPr>
-                              <m:t>𝑃𝑟𝑒𝑜</m:t>
-                            </m:r>
-                            <m:r>
-                              <a:rPr lang="en-US" altLang="ko-KR" b="0" i="1" dirty="0" smtClean="0">
-                                <a:latin typeface="Cambria Math" panose="02040503050406030204" pitchFamily="18" charset="0"/>
-                              </a:rPr>
-                              <m:t>𝑟𝑑𝑒𝑟</m:t>
-                            </m:r>
-                            <m:d>
-                              <m:dPr>
-                                <m:ctrlPr>
-                                  <a:rPr lang="en-US" altLang="ko-KR" b="0" i="1" dirty="0" smtClean="0">
-                                    <a:latin typeface="Cambria Math" panose="02040503050406030204" pitchFamily="18" charset="0"/>
-                                  </a:rPr>
-                                </m:ctrlPr>
-                              </m:dPr>
-                              <m:e>
-                                <m:sSub>
-                                  <m:sSubPr>
-                                    <m:ctrlPr>
-                                      <a:rPr lang="en-US" altLang="ko-KR" b="0" i="1" smtClean="0">
-                                        <a:latin typeface="Cambria Math" panose="02040503050406030204" pitchFamily="18" charset="0"/>
-                                      </a:rPr>
-                                    </m:ctrlPr>
-                                  </m:sSubPr>
-                                  <m:e>
-                                    <m:r>
-                                      <a:rPr lang="en-US" altLang="ko-KR" b="0" i="1" smtClean="0">
-                                        <a:latin typeface="Cambria Math" panose="02040503050406030204" pitchFamily="18" charset="0"/>
-                                      </a:rPr>
-                                      <m:t>𝐿𝑒𝑓𝑡𝑇𝑟𝑒𝑒</m:t>
-                                    </m:r>
-                                  </m:e>
-                                  <m:sub>
-                                    <m:r>
-                                      <a:rPr lang="en-US" altLang="ko-KR" b="0" i="1" smtClean="0">
-                                        <a:latin typeface="Cambria Math" panose="02040503050406030204" pitchFamily="18" charset="0"/>
-                                      </a:rPr>
-                                      <m:t>𝑇</m:t>
-                                    </m:r>
-                                  </m:sub>
-                                </m:sSub>
-                              </m:e>
-                            </m:d>
-                            <m:r>
-                              <a:rPr lang="en-US" altLang="ko-KR" b="0" i="1" smtClean="0">
-                                <a:latin typeface="Cambria Math" panose="02040503050406030204" pitchFamily="18" charset="0"/>
-                              </a:rPr>
-                              <m:t>→</m:t>
-                            </m:r>
-                            <m:r>
-                              <a:rPr lang="en-US" altLang="ko-KR" b="0" i="1" smtClean="0">
-                                <a:latin typeface="Cambria Math" panose="02040503050406030204" pitchFamily="18" charset="0"/>
-                              </a:rPr>
-                              <m:t>𝑃𝑟𝑒𝑜</m:t>
-                            </m:r>
-                            <m:r>
-                              <a:rPr lang="en-US" altLang="ko-KR" b="0" i="1" dirty="0" smtClean="0">
-                                <a:latin typeface="Cambria Math" panose="02040503050406030204" pitchFamily="18" charset="0"/>
-                              </a:rPr>
-                              <m:t>𝑟𝑑𝑒𝑟</m:t>
-                            </m:r>
-                            <m:d>
-                              <m:dPr>
-                                <m:ctrlPr>
-                                  <a:rPr lang="en-US" altLang="ko-KR" b="0" i="1" dirty="0" smtClean="0">
-                                    <a:latin typeface="Cambria Math" panose="02040503050406030204" pitchFamily="18" charset="0"/>
-                                  </a:rPr>
-                                </m:ctrlPr>
-                              </m:dPr>
-                              <m:e>
-                                <m:sSub>
-                                  <m:sSubPr>
-                                    <m:ctrlPr>
-                                      <a:rPr lang="en-US" altLang="ko-KR" b="0" i="1" smtClean="0">
-                                        <a:latin typeface="Cambria Math" panose="02040503050406030204" pitchFamily="18" charset="0"/>
-                                      </a:rPr>
-                                    </m:ctrlPr>
-                                  </m:sSubPr>
-                                  <m:e>
-                                    <m:r>
-                                      <a:rPr lang="en-US" altLang="ko-KR" b="0" i="1" smtClean="0">
-                                        <a:latin typeface="Cambria Math" panose="02040503050406030204" pitchFamily="18" charset="0"/>
-                                      </a:rPr>
-                                      <m:t>𝑅𝑖𝑔h𝑡𝑇𝑟𝑒𝑒</m:t>
-                                    </m:r>
-                                  </m:e>
-                                  <m:sub>
-                                    <m:r>
-                                      <a:rPr lang="en-US" altLang="ko-KR" b="0" i="1" smtClean="0">
-                                        <a:latin typeface="Cambria Math" panose="02040503050406030204" pitchFamily="18" charset="0"/>
-                                      </a:rPr>
-                                      <m:t>𝑇</m:t>
-                                    </m:r>
-                                  </m:sub>
-                                </m:sSub>
-                              </m:e>
-                            </m:d>
-                          </m:e>
-                        </m:eqArr>
-                      </m:e>
-                    </m:d>
-                  </m:oMath>
-                </a14:m>
-                <a:endParaRPr lang="en-US" altLang="ko-KR" dirty="0"/>
-              </a:p>
-            </p:txBody>
-          </p:sp>
-        </mc:Choice>
-        <mc:Fallback xmlns="">
-          <p:sp>
-            <p:nvSpPr>
-              <p:cNvPr id="3" name="내용 개체 틀 2">
-                <a:extLst>
-                  <a:ext uri="{FF2B5EF4-FFF2-40B4-BE49-F238E27FC236}">
-                    <a16:creationId xmlns:a16="http://schemas.microsoft.com/office/drawing/2014/main" id="{9157DAF6-4938-4D06-A46C-3399025FCF5E}"/>
-                  </a:ext>
-                </a:extLst>
-              </p:cNvPr>
-              <p:cNvSpPr>
-                <a:spLocks noGrp="1" noRot="1" noChangeAspect="1" noMove="1" noResize="1" noEditPoints="1" noAdjustHandles="1" noChangeArrowheads="1" noChangeShapeType="1" noTextEdit="1"/>
-              </p:cNvSpPr>
-              <p:nvPr>
-                <p:ph idx="1"/>
-              </p:nvPr>
-            </p:nvSpPr>
-            <p:spPr>
-              <a:blipFill>
-                <a:blip r:embed="rId2"/>
-                <a:stretch>
-                  <a:fillRect l="-696" t="-840"/>
-                </a:stretch>
-              </a:blipFill>
-            </p:spPr>
-            <p:txBody>
-              <a:bodyPr/>
-              <a:lstStyle/>
-              <a:p>
-                <a:r>
-                  <a:rPr lang="ko-KR" altLang="en-US">
-                    <a:noFill/>
-                  </a:rPr>
-                  <a:t> </a:t>
-                </a:r>
-              </a:p>
-            </p:txBody>
-          </p:sp>
-        </mc:Fallback>
-      </mc:AlternateContent>
-    </p:spTree>
-    <p:extLst>
-      <p:ext uri="{BB962C8B-B14F-4D97-AF65-F5344CB8AC3E}">
-        <p14:creationId xmlns:p14="http://schemas.microsoft.com/office/powerpoint/2010/main" val="5456361"/>
-      </p:ext>
-    </p:extLst>
-  </p:cSld>
-  <p:clrMapOvr>
-    <a:masterClrMapping/>
-  </p:clrMapOvr>
-</p:sld>
-</file>
-
-<file path=ppt/slides/slide18.xml><?xml version="1.0" encoding="utf-8"?>
-<p:sld xmlns:a="http://schemas.openxmlformats.org/drawingml/2006/main" xmlns:r="http://schemas.openxmlformats.org/officeDocument/2006/relationships" xmlns:p="http://schemas.openxmlformats.org/presentationml/2006/main">
-  <p:cSld>
-    <p:spTree>
-      <p:nvGrpSpPr>
-        <p:cNvPr id="1" name=""/>
-        <p:cNvGrpSpPr/>
-        <p:nvPr/>
-      </p:nvGrpSpPr>
-      <p:grpSpPr>
-        <a:xfrm>
-          <a:off x="0" y="0"/>
-          <a:ext cx="0" cy="0"/>
-          <a:chOff x="0" y="0"/>
-          <a:chExt cx="0" cy="0"/>
-        </a:xfrm>
-      </p:grpSpPr>
-      <p:sp>
-        <p:nvSpPr>
-          <p:cNvPr id="2" name="제목 1">
-            <a:extLst>
-              <a:ext uri="{FF2B5EF4-FFF2-40B4-BE49-F238E27FC236}">
-                <a16:creationId xmlns:a16="http://schemas.microsoft.com/office/drawing/2014/main" id="{971E1D43-6E2D-4C0D-B029-5E7B4A7B65C7}"/>
-              </a:ext>
-            </a:extLst>
-          </p:cNvPr>
-          <p:cNvSpPr>
-            <a:spLocks noGrp="1"/>
-          </p:cNvSpPr>
-          <p:nvPr>
-            <p:ph type="title"/>
-          </p:nvPr>
-        </p:nvSpPr>
-        <p:spPr/>
-        <p:txBody>
-          <a:bodyPr/>
-          <a:lstStyle/>
-          <a:p>
-            <a:r>
-              <a:rPr lang="en-US" altLang="ko-KR" dirty="0"/>
-              <a:t>5. </a:t>
-            </a:r>
-            <a:r>
-              <a:rPr lang="ko-KR" altLang="en-US" dirty="0"/>
-              <a:t>트리의 순회</a:t>
-            </a:r>
-          </a:p>
-        </p:txBody>
-      </p:sp>
-      <mc:AlternateContent xmlns:mc="http://schemas.openxmlformats.org/markup-compatibility/2006" xmlns:a14="http://schemas.microsoft.com/office/drawing/2010/main">
-        <mc:Choice Requires="a14">
-          <p:sp>
-            <p:nvSpPr>
-              <p:cNvPr id="3" name="내용 개체 틀 2">
-                <a:extLst>
-                  <a:ext uri="{FF2B5EF4-FFF2-40B4-BE49-F238E27FC236}">
-                    <a16:creationId xmlns:a16="http://schemas.microsoft.com/office/drawing/2014/main" id="{9157DAF6-4938-4D06-A46C-3399025FCF5E}"/>
-                  </a:ext>
-                </a:extLst>
-              </p:cNvPr>
-              <p:cNvSpPr>
-                <a:spLocks noGrp="1"/>
-              </p:cNvSpPr>
-              <p:nvPr>
-                <p:ph idx="1"/>
-              </p:nvPr>
-            </p:nvSpPr>
-            <p:spPr/>
-            <p:txBody>
-              <a:bodyPr>
-                <a:normAutofit fontScale="77500" lnSpcReduction="20000"/>
-              </a:bodyPr>
-              <a:lstStyle/>
-              <a:p>
-                <a:pPr>
-                  <a:lnSpc>
-                    <a:spcPct val="120000"/>
-                  </a:lnSpc>
-                </a:pPr>
-                <a:r>
-                  <a:rPr lang="ko-KR" altLang="en-US" dirty="0"/>
-                  <a:t>임의의 </a:t>
-                </a:r>
-                <a:r>
-                  <a:rPr lang="ko-KR" altLang="en-US" dirty="0" err="1"/>
-                  <a:t>이진트리</a:t>
-                </a:r>
-                <a:r>
-                  <a:rPr lang="ko-KR" altLang="en-US" dirty="0"/>
-                  <a:t> </a:t>
-                </a:r>
-                <a:r>
-                  <a:rPr lang="en-US" altLang="ko-KR" dirty="0"/>
-                  <a:t>T</a:t>
-                </a:r>
-                <a:r>
-                  <a:rPr lang="ko-KR" altLang="en-US" dirty="0"/>
-                  <a:t>에 대해서 </a:t>
-                </a:r>
-                <a:r>
-                  <a:rPr lang="en-US" altLang="ko-KR" dirty="0"/>
-                  <a:t>T</a:t>
-                </a:r>
-                <a:r>
-                  <a:rPr lang="ko-KR" altLang="en-US" dirty="0"/>
-                  <a:t>의 루트를 </a:t>
-                </a:r>
-                <a14:m>
-                  <m:oMath xmlns:m="http://schemas.openxmlformats.org/officeDocument/2006/math">
-                    <m:r>
-                      <a:rPr lang="en-US" altLang="ko-KR" i="1" smtClean="0">
-                        <a:latin typeface="Cambria Math" panose="02040503050406030204" pitchFamily="18" charset="0"/>
-                      </a:rPr>
-                      <m:t>𝑐</m:t>
-                    </m:r>
-                  </m:oMath>
-                </a14:m>
-                <a:r>
-                  <a:rPr lang="ko-KR" altLang="en-US" dirty="0"/>
-                  <a:t>라 하자</a:t>
-                </a:r>
-                <a:r>
-                  <a:rPr lang="en-US" altLang="ko-KR" dirty="0"/>
-                  <a:t>. </a:t>
-                </a:r>
-              </a:p>
-              <a:p>
-                <a:pPr>
-                  <a:lnSpc>
-                    <a:spcPct val="120000"/>
-                  </a:lnSpc>
-                </a:pPr>
-                <a14:m>
-                  <m:oMath xmlns:m="http://schemas.openxmlformats.org/officeDocument/2006/math">
-                    <m:sSub>
-                      <m:sSubPr>
-                        <m:ctrlPr>
-                          <a:rPr lang="en-US" altLang="ko-KR" i="1" smtClean="0">
-                            <a:latin typeface="Cambria Math" panose="02040503050406030204" pitchFamily="18" charset="0"/>
-                          </a:rPr>
-                        </m:ctrlPr>
-                      </m:sSubPr>
-                      <m:e>
-                        <m:r>
-                          <a:rPr lang="en-US" altLang="ko-KR" b="0" i="1" smtClean="0">
-                            <a:latin typeface="Cambria Math" panose="02040503050406030204" pitchFamily="18" charset="0"/>
-                          </a:rPr>
-                          <m:t>𝑅𝑜𝑜𝑡</m:t>
-                        </m:r>
-                      </m:e>
-                      <m:sub>
-                        <m:r>
-                          <a:rPr lang="en-US" altLang="ko-KR" b="0" i="1" smtClean="0">
-                            <a:latin typeface="Cambria Math" panose="02040503050406030204" pitchFamily="18" charset="0"/>
-                          </a:rPr>
-                          <m:t>𝑇</m:t>
-                        </m:r>
-                      </m:sub>
-                    </m:sSub>
-                    <m:r>
-                      <a:rPr lang="en-US" altLang="ko-KR" b="0" i="1" smtClean="0">
-                        <a:latin typeface="Cambria Math" panose="02040503050406030204" pitchFamily="18" charset="0"/>
-                      </a:rPr>
-                      <m:t> </m:t>
-                    </m:r>
-                    <m:r>
-                      <a:rPr lang="ko-KR" altLang="en-US" i="1">
-                        <a:latin typeface="Cambria Math" panose="02040503050406030204" pitchFamily="18" charset="0"/>
-                      </a:rPr>
-                      <m:t>에</m:t>
-                    </m:r>
-                  </m:oMath>
-                </a14:m>
-                <a:r>
-                  <a:rPr lang="en-US" altLang="ko-KR" dirty="0"/>
-                  <a:t> </a:t>
-                </a:r>
-                <a:r>
-                  <a:rPr lang="ko-KR" altLang="en-US" dirty="0"/>
-                  <a:t>대해서 왼쪽 서브 트리를 </a:t>
-                </a:r>
-                <a14:m>
-                  <m:oMath xmlns:m="http://schemas.openxmlformats.org/officeDocument/2006/math">
-                    <m:sSub>
-                      <m:sSubPr>
-                        <m:ctrlPr>
-                          <a:rPr lang="en-US" altLang="ko-KR" b="0" i="1" smtClean="0">
-                            <a:latin typeface="Cambria Math" panose="02040503050406030204" pitchFamily="18" charset="0"/>
-                          </a:rPr>
-                        </m:ctrlPr>
-                      </m:sSubPr>
-                      <m:e>
-                        <m:r>
-                          <a:rPr lang="en-US" altLang="ko-KR" b="0" i="1" smtClean="0">
-                            <a:latin typeface="Cambria Math" panose="02040503050406030204" pitchFamily="18" charset="0"/>
-                          </a:rPr>
-                          <m:t>𝐿𝑒𝑓𝑡𝑇𝑟𝑒𝑒</m:t>
-                        </m:r>
-                      </m:e>
-                      <m:sub>
-                        <m:r>
-                          <a:rPr lang="en-US" altLang="ko-KR" b="0" i="1" smtClean="0">
-                            <a:latin typeface="Cambria Math" panose="02040503050406030204" pitchFamily="18" charset="0"/>
-                          </a:rPr>
-                          <m:t>𝑇</m:t>
-                        </m:r>
-                      </m:sub>
-                    </m:sSub>
-                  </m:oMath>
-                </a14:m>
-                <a:r>
-                  <a:rPr lang="en-US" altLang="ko-KR" dirty="0"/>
-                  <a:t>, </a:t>
-                </a:r>
-                <a:r>
-                  <a:rPr lang="ko-KR" altLang="en-US" dirty="0"/>
-                  <a:t>오른쪽 서브 트리를 </a:t>
-                </a:r>
-                <a14:m>
-                  <m:oMath xmlns:m="http://schemas.openxmlformats.org/officeDocument/2006/math">
-                    <m:sSub>
-                      <m:sSubPr>
-                        <m:ctrlPr>
-                          <a:rPr lang="en-US" altLang="ko-KR" b="0" i="1" smtClean="0">
-                            <a:latin typeface="Cambria Math" panose="02040503050406030204" pitchFamily="18" charset="0"/>
-                          </a:rPr>
-                        </m:ctrlPr>
-                      </m:sSubPr>
-                      <m:e>
-                        <m:r>
-                          <a:rPr lang="en-US" altLang="ko-KR" b="0" i="1" smtClean="0">
-                            <a:latin typeface="Cambria Math" panose="02040503050406030204" pitchFamily="18" charset="0"/>
-                          </a:rPr>
-                          <m:t>𝑅𝑖𝑔h𝑡𝑇𝑟𝑒𝑒</m:t>
-                        </m:r>
-                      </m:e>
-                      <m:sub>
-                        <m:r>
-                          <a:rPr lang="en-US" altLang="ko-KR" b="0" i="1" smtClean="0">
-                            <a:latin typeface="Cambria Math" panose="02040503050406030204" pitchFamily="18" charset="0"/>
-                          </a:rPr>
-                          <m:t>𝑇</m:t>
-                        </m:r>
-                      </m:sub>
-                    </m:sSub>
-                  </m:oMath>
-                </a14:m>
-                <a:r>
-                  <a:rPr lang="en-US" altLang="ko-KR" dirty="0"/>
-                  <a:t> </a:t>
-                </a:r>
-                <a:r>
-                  <a:rPr lang="ko-KR" altLang="en-US" dirty="0"/>
-                  <a:t>라 정의하자</a:t>
-                </a:r>
-                <a:r>
-                  <a:rPr lang="en-US" altLang="ko-KR" dirty="0"/>
-                  <a:t>.</a:t>
-                </a:r>
-              </a:p>
-              <a:p>
-                <a:pPr>
-                  <a:lnSpc>
-                    <a:spcPct val="120000"/>
-                  </a:lnSpc>
-                </a:pPr>
-                <a:endParaRPr lang="en-US" altLang="ko-KR" dirty="0"/>
-              </a:p>
-              <a:p>
-                <a:pPr>
-                  <a:lnSpc>
-                    <a:spcPct val="120000"/>
-                  </a:lnSpc>
-                </a:pPr>
-                <a:r>
-                  <a:rPr lang="ko-KR" altLang="en-US" dirty="0"/>
-                  <a:t>전체 트리</a:t>
-                </a:r>
-                <a:r>
-                  <a:rPr lang="en-US" altLang="ko-KR" dirty="0"/>
-                  <a:t>T </a:t>
-                </a:r>
-                <a:r>
-                  <a:rPr lang="ko-KR" altLang="en-US" dirty="0"/>
-                  <a:t>에 대해서 </a:t>
-                </a:r>
-                <a14:m>
-                  <m:oMath xmlns:m="http://schemas.openxmlformats.org/officeDocument/2006/math">
-                    <m:r>
-                      <a:rPr lang="en-US" altLang="ko-KR" i="1" dirty="0" smtClean="0">
-                        <a:latin typeface="Cambria Math" panose="02040503050406030204" pitchFamily="18" charset="0"/>
-                      </a:rPr>
-                      <m:t>𝐼𝑛𝑜𝑟𝑑𝑒𝑟</m:t>
-                    </m:r>
-                    <m:d>
-                      <m:dPr>
-                        <m:ctrlPr>
-                          <a:rPr lang="en-US" altLang="ko-KR" i="1" dirty="0" smtClean="0">
-                            <a:latin typeface="Cambria Math" panose="02040503050406030204" pitchFamily="18" charset="0"/>
-                          </a:rPr>
-                        </m:ctrlPr>
-                      </m:dPr>
-                      <m:e>
-                        <m:r>
-                          <a:rPr lang="en-US" altLang="ko-KR" i="1" dirty="0" smtClean="0">
-                            <a:latin typeface="Cambria Math" panose="02040503050406030204" pitchFamily="18" charset="0"/>
-                          </a:rPr>
-                          <m:t>𝑇</m:t>
-                        </m:r>
-                      </m:e>
-                    </m:d>
-                    <m:r>
-                      <a:rPr lang="ko-KR" altLang="en-US" i="1" dirty="0">
-                        <a:latin typeface="Cambria Math" panose="02040503050406030204" pitchFamily="18" charset="0"/>
-                      </a:rPr>
-                      <m:t>와</m:t>
-                    </m:r>
-                  </m:oMath>
-                </a14:m>
-                <a:r>
-                  <a:rPr lang="ko-KR" altLang="en-US" dirty="0"/>
-                  <a:t> </a:t>
-                </a:r>
-                <a14:m>
-                  <m:oMath xmlns:m="http://schemas.openxmlformats.org/officeDocument/2006/math">
-                    <m:r>
-                      <a:rPr lang="en-US" altLang="ko-KR" b="0" i="1" dirty="0" smtClean="0">
-                        <a:latin typeface="Cambria Math" panose="02040503050406030204" pitchFamily="18" charset="0"/>
-                      </a:rPr>
-                      <m:t>𝑃𝑜𝑠𝑡𝑜</m:t>
-                    </m:r>
-                    <m:r>
-                      <a:rPr lang="en-US" altLang="ko-KR" i="1" dirty="0" smtClean="0">
-                        <a:latin typeface="Cambria Math" panose="02040503050406030204" pitchFamily="18" charset="0"/>
-                      </a:rPr>
-                      <m:t>𝑟𝑑𝑒𝑟</m:t>
-                    </m:r>
-                    <m:d>
-                      <m:dPr>
-                        <m:ctrlPr>
-                          <a:rPr lang="en-US" altLang="ko-KR" i="1" dirty="0" smtClean="0">
-                            <a:latin typeface="Cambria Math" panose="02040503050406030204" pitchFamily="18" charset="0"/>
-                          </a:rPr>
-                        </m:ctrlPr>
-                      </m:dPr>
-                      <m:e>
-                        <m:r>
-                          <a:rPr lang="en-US" altLang="ko-KR" i="1" dirty="0" smtClean="0">
-                            <a:latin typeface="Cambria Math" panose="02040503050406030204" pitchFamily="18" charset="0"/>
-                          </a:rPr>
-                          <m:t>𝑇</m:t>
-                        </m:r>
-                      </m:e>
-                    </m:d>
-                    <m:r>
-                      <a:rPr lang="en-US" altLang="ko-KR" i="1" dirty="0" smtClean="0">
-                        <a:latin typeface="Cambria Math" panose="02040503050406030204" pitchFamily="18" charset="0"/>
-                      </a:rPr>
-                      <m:t> </m:t>
-                    </m:r>
-                  </m:oMath>
-                </a14:m>
-                <a:r>
-                  <a:rPr lang="ko-KR" altLang="en-US" dirty="0"/>
-                  <a:t>는 다음과 같이 정의하자</a:t>
-                </a:r>
-                <a:endParaRPr lang="en-US" altLang="ko-KR" dirty="0"/>
-              </a:p>
-              <a:p>
-                <a:pPr>
-                  <a:lnSpc>
-                    <a:spcPct val="120000"/>
-                  </a:lnSpc>
-                </a:pPr>
-                <a14:m>
-                  <m:oMath xmlns:m="http://schemas.openxmlformats.org/officeDocument/2006/math">
-                    <m:r>
-                      <a:rPr lang="en-US" altLang="ko-KR" i="1" dirty="0" smtClean="0">
-                        <a:latin typeface="Cambria Math" panose="02040503050406030204" pitchFamily="18" charset="0"/>
-                      </a:rPr>
-                      <m:t>𝐼𝑛𝑜𝑟𝑑𝑒𝑟</m:t>
-                    </m:r>
-                    <m:d>
-                      <m:dPr>
-                        <m:ctrlPr>
-                          <a:rPr lang="en-US" altLang="ko-KR" i="1" dirty="0" smtClean="0">
-                            <a:latin typeface="Cambria Math" panose="02040503050406030204" pitchFamily="18" charset="0"/>
-                          </a:rPr>
-                        </m:ctrlPr>
-                      </m:dPr>
-                      <m:e>
-                        <m:r>
-                          <a:rPr lang="en-US" altLang="ko-KR" i="1" dirty="0" smtClean="0">
-                            <a:latin typeface="Cambria Math" panose="02040503050406030204" pitchFamily="18" charset="0"/>
-                          </a:rPr>
-                          <m:t>𝑇</m:t>
-                        </m:r>
-                      </m:e>
-                    </m:d>
-                    <m:d>
-                      <m:dPr>
-                        <m:begChr m:val="{"/>
-                        <m:endChr m:val=""/>
-                        <m:ctrlPr>
-                          <a:rPr lang="en-US" altLang="ko-KR" i="1" dirty="0" smtClean="0">
-                            <a:latin typeface="Cambria Math" panose="02040503050406030204" pitchFamily="18" charset="0"/>
-                          </a:rPr>
-                        </m:ctrlPr>
-                      </m:dPr>
-                      <m:e>
-                        <m:eqArr>
-                          <m:eqArrPr>
-                            <m:ctrlPr>
-                              <a:rPr lang="en-US" altLang="ko-KR" i="1" dirty="0" smtClean="0">
-                                <a:latin typeface="Cambria Math" panose="02040503050406030204" pitchFamily="18" charset="0"/>
-                              </a:rPr>
-                            </m:ctrlPr>
-                          </m:eqArrPr>
-                          <m:e>
-                            <m:r>
-                              <a:rPr lang="en-US" altLang="ko-KR" b="0" i="1" dirty="0" smtClean="0">
-                                <a:latin typeface="Cambria Math" panose="02040503050406030204" pitchFamily="18" charset="0"/>
-                              </a:rPr>
-                              <m:t>𝑟𝑒𝑡𝑢𝑟𝑛</m:t>
-                            </m:r>
-                            <m:r>
-                              <a:rPr lang="en-US" altLang="ko-KR" b="0" i="1" dirty="0" smtClean="0">
-                                <a:latin typeface="Cambria Math" panose="02040503050406030204" pitchFamily="18" charset="0"/>
-                              </a:rPr>
-                              <m:t> </m:t>
-                            </m:r>
-                            <m:r>
-                              <a:rPr lang="en-US" altLang="ko-KR" b="0" i="1" dirty="0" smtClean="0">
-                                <a:latin typeface="Cambria Math" panose="02040503050406030204" pitchFamily="18" charset="0"/>
-                              </a:rPr>
-                              <m:t>𝑖𝑓</m:t>
-                            </m:r>
-                            <m:r>
-                              <a:rPr lang="en-US" altLang="ko-KR" b="0" i="1" dirty="0" smtClean="0">
-                                <a:latin typeface="Cambria Math" panose="02040503050406030204" pitchFamily="18" charset="0"/>
-                              </a:rPr>
-                              <m:t> </m:t>
-                            </m:r>
-                            <m:r>
-                              <a:rPr lang="en-US" altLang="ko-KR" b="0" i="1" dirty="0" smtClean="0">
-                                <a:latin typeface="Cambria Math" panose="02040503050406030204" pitchFamily="18" charset="0"/>
-                              </a:rPr>
-                              <m:t>𝑇</m:t>
-                            </m:r>
-                            <m:r>
-                              <a:rPr lang="en-US" altLang="ko-KR" b="0" i="1" dirty="0" smtClean="0">
-                                <a:latin typeface="Cambria Math" panose="02040503050406030204" pitchFamily="18" charset="0"/>
-                              </a:rPr>
-                              <m:t> </m:t>
-                            </m:r>
-                            <m:r>
-                              <a:rPr lang="en-US" altLang="ko-KR" b="0" i="1" dirty="0" smtClean="0">
-                                <a:latin typeface="Cambria Math" panose="02040503050406030204" pitchFamily="18" charset="0"/>
-                              </a:rPr>
-                              <m:t>𝑖𝑠</m:t>
-                            </m:r>
-                            <m:r>
-                              <a:rPr lang="en-US" altLang="ko-KR" b="0" i="1" dirty="0" smtClean="0">
-                                <a:latin typeface="Cambria Math" panose="02040503050406030204" pitchFamily="18" charset="0"/>
-                              </a:rPr>
-                              <m:t> </m:t>
-                            </m:r>
-                            <m:r>
-                              <a:rPr lang="en-US" altLang="ko-KR" b="0" i="1" dirty="0" smtClean="0">
-                                <a:latin typeface="Cambria Math" panose="02040503050406030204" pitchFamily="18" charset="0"/>
-                              </a:rPr>
-                              <m:t>𝑒𝑚𝑝𝑡𝑦</m:t>
-                            </m:r>
-                            <m:r>
-                              <a:rPr lang="en-US" altLang="ko-KR" b="0" i="1" dirty="0" smtClean="0">
-                                <a:latin typeface="Cambria Math" panose="02040503050406030204" pitchFamily="18" charset="0"/>
-                              </a:rPr>
-                              <m:t> </m:t>
-                            </m:r>
-                            <m:r>
-                              <a:rPr lang="en-US" altLang="ko-KR" b="0" i="1" dirty="0" smtClean="0">
-                                <a:latin typeface="Cambria Math" panose="02040503050406030204" pitchFamily="18" charset="0"/>
-                              </a:rPr>
-                              <m:t>𝑡𝑟𝑒𝑒</m:t>
-                            </m:r>
-                            <m:r>
-                              <a:rPr lang="en-US" altLang="ko-KR" b="0" i="1" dirty="0" smtClean="0">
-                                <a:latin typeface="Cambria Math" panose="02040503050406030204" pitchFamily="18" charset="0"/>
-                              </a:rPr>
-                              <m:t> </m:t>
-                            </m:r>
-                          </m:e>
-                          <m:e>
-                            <m:r>
-                              <a:rPr lang="en-US" altLang="ko-KR" b="0" i="1" dirty="0" smtClean="0">
-                                <a:latin typeface="Cambria Math" panose="02040503050406030204" pitchFamily="18" charset="0"/>
-                              </a:rPr>
-                              <m:t>𝐼𝑛𝑜𝑟𝑑𝑒𝑟</m:t>
-                            </m:r>
-                            <m:d>
-                              <m:dPr>
-                                <m:ctrlPr>
-                                  <a:rPr lang="en-US" altLang="ko-KR" b="0" i="1" dirty="0" smtClean="0">
-                                    <a:latin typeface="Cambria Math" panose="02040503050406030204" pitchFamily="18" charset="0"/>
-                                  </a:rPr>
-                                </m:ctrlPr>
-                              </m:dPr>
-                              <m:e>
-                                <m:sSub>
-                                  <m:sSubPr>
-                                    <m:ctrlPr>
-                                      <a:rPr lang="en-US" altLang="ko-KR" b="0" i="1" smtClean="0">
-                                        <a:latin typeface="Cambria Math" panose="02040503050406030204" pitchFamily="18" charset="0"/>
-                                      </a:rPr>
-                                    </m:ctrlPr>
-                                  </m:sSubPr>
-                                  <m:e>
-                                    <m:r>
-                                      <a:rPr lang="en-US" altLang="ko-KR" b="0" i="1" smtClean="0">
-                                        <a:latin typeface="Cambria Math" panose="02040503050406030204" pitchFamily="18" charset="0"/>
-                                      </a:rPr>
-                                      <m:t>𝐿𝑒𝑓𝑡𝑇𝑟𝑒𝑒</m:t>
-                                    </m:r>
-                                  </m:e>
-                                  <m:sub>
-                                    <m:r>
-                                      <a:rPr lang="en-US" altLang="ko-KR" b="0" i="1" smtClean="0">
-                                        <a:latin typeface="Cambria Math" panose="02040503050406030204" pitchFamily="18" charset="0"/>
-                                      </a:rPr>
-                                      <m:t>𝑇</m:t>
-                                    </m:r>
-                                  </m:sub>
-                                </m:sSub>
-                              </m:e>
-                            </m:d>
-                            <m:r>
-                              <a:rPr lang="en-US" altLang="ko-KR" b="0" i="1" smtClean="0">
-                                <a:latin typeface="Cambria Math" panose="02040503050406030204" pitchFamily="18" charset="0"/>
-                              </a:rPr>
-                              <m:t>→</m:t>
-                            </m:r>
-                            <m:r>
-                              <a:rPr lang="en-US" altLang="ko-KR" b="0" i="1" smtClean="0">
-                                <a:latin typeface="Cambria Math" panose="02040503050406030204" pitchFamily="18" charset="0"/>
-                              </a:rPr>
-                              <m:t>𝑣𝑖𝑠𝑖𝑡</m:t>
-                            </m:r>
-                            <m:sSub>
-                              <m:sSubPr>
-                                <m:ctrlPr>
-                                  <a:rPr lang="en-US" altLang="ko-KR" i="1" smtClean="0">
-                                    <a:latin typeface="Cambria Math" panose="02040503050406030204" pitchFamily="18" charset="0"/>
-                                  </a:rPr>
-                                </m:ctrlPr>
-                              </m:sSubPr>
-                              <m:e>
-                                <m:r>
-                                  <a:rPr lang="en-US" altLang="ko-KR" b="0" i="1" smtClean="0">
-                                    <a:latin typeface="Cambria Math" panose="02040503050406030204" pitchFamily="18" charset="0"/>
-                                  </a:rPr>
-                                  <m:t> </m:t>
-                                </m:r>
-                                <m:r>
-                                  <a:rPr lang="en-US" altLang="ko-KR" b="0" i="1" smtClean="0">
-                                    <a:latin typeface="Cambria Math" panose="02040503050406030204" pitchFamily="18" charset="0"/>
-                                  </a:rPr>
-                                  <m:t>𝑅𝑜𝑜𝑡</m:t>
-                                </m:r>
-                              </m:e>
-                              <m:sub>
-                                <m:r>
-                                  <a:rPr lang="en-US" altLang="ko-KR" b="0" i="1" smtClean="0">
-                                    <a:latin typeface="Cambria Math" panose="02040503050406030204" pitchFamily="18" charset="0"/>
-                                  </a:rPr>
-                                  <m:t>𝑇</m:t>
-                                </m:r>
-                              </m:sub>
-                            </m:sSub>
-                            <m:r>
-                              <a:rPr lang="en-US" altLang="ko-KR" b="0" i="1" smtClean="0">
-                                <a:latin typeface="Cambria Math" panose="02040503050406030204" pitchFamily="18" charset="0"/>
-                              </a:rPr>
-                              <m:t>→</m:t>
-                            </m:r>
-                            <m:r>
-                              <a:rPr lang="en-US" altLang="ko-KR" b="0" i="1" dirty="0" smtClean="0">
-                                <a:latin typeface="Cambria Math" panose="02040503050406030204" pitchFamily="18" charset="0"/>
-                              </a:rPr>
-                              <m:t>𝐼𝑛𝑜𝑟𝑑𝑒𝑟</m:t>
-                            </m:r>
-                            <m:d>
-                              <m:dPr>
-                                <m:ctrlPr>
-                                  <a:rPr lang="en-US" altLang="ko-KR" b="0" i="1" dirty="0" smtClean="0">
-                                    <a:latin typeface="Cambria Math" panose="02040503050406030204" pitchFamily="18" charset="0"/>
-                                  </a:rPr>
-                                </m:ctrlPr>
-                              </m:dPr>
-                              <m:e>
-                                <m:sSub>
-                                  <m:sSubPr>
-                                    <m:ctrlPr>
-                                      <a:rPr lang="en-US" altLang="ko-KR" b="0" i="1" smtClean="0">
-                                        <a:latin typeface="Cambria Math" panose="02040503050406030204" pitchFamily="18" charset="0"/>
-                                      </a:rPr>
-                                    </m:ctrlPr>
-                                  </m:sSubPr>
-                                  <m:e>
-                                    <m:r>
-                                      <a:rPr lang="en-US" altLang="ko-KR" b="0" i="1" smtClean="0">
-                                        <a:latin typeface="Cambria Math" panose="02040503050406030204" pitchFamily="18" charset="0"/>
-                                      </a:rPr>
-                                      <m:t>𝑅𝑖𝑔h𝑡𝑇𝑟𝑒𝑒</m:t>
-                                    </m:r>
-                                  </m:e>
-                                  <m:sub>
-                                    <m:r>
-                                      <a:rPr lang="en-US" altLang="ko-KR" b="0" i="1" smtClean="0">
-                                        <a:latin typeface="Cambria Math" panose="02040503050406030204" pitchFamily="18" charset="0"/>
-                                      </a:rPr>
-                                      <m:t>𝑇</m:t>
-                                    </m:r>
-                                  </m:sub>
-                                </m:sSub>
-                              </m:e>
-                            </m:d>
-                          </m:e>
-                        </m:eqArr>
-                      </m:e>
-                    </m:d>
-                  </m:oMath>
-                </a14:m>
-                <a:endParaRPr lang="en-US" altLang="ko-KR" dirty="0"/>
-              </a:p>
-              <a:p>
-                <a:pPr>
-                  <a:lnSpc>
-                    <a:spcPct val="120000"/>
-                  </a:lnSpc>
-                </a:pPr>
-                <a14:m>
-                  <m:oMath xmlns:m="http://schemas.openxmlformats.org/officeDocument/2006/math">
-                    <m:r>
-                      <a:rPr lang="en-US" altLang="ko-KR" b="0" i="1" dirty="0" smtClean="0">
-                        <a:latin typeface="Cambria Math" panose="02040503050406030204" pitchFamily="18" charset="0"/>
-                      </a:rPr>
                       <m:t>𝑃𝑜𝑠𝑡</m:t>
                     </m:r>
                     <m:r>
@@ -8298,13 +7299,13 @@
                               <a:rPr lang="en-US" altLang="ko-KR" b="0" i="1" smtClean="0">
                                 <a:latin typeface="Cambria Math" panose="02040503050406030204" pitchFamily="18" charset="0"/>
                               </a:rPr>
-                              <m:t>𝑃𝑜𝑠𝑡𝑜</m:t>
+                              <m:t>𝑃𝑜𝑠𝑡𝑜𝑟</m:t>
                             </m:r>
                             <m:r>
                               <a:rPr lang="en-US" altLang="ko-KR" b="0" i="1" dirty="0" smtClean="0">
                                 <a:latin typeface="Cambria Math" panose="02040503050406030204" pitchFamily="18" charset="0"/>
                               </a:rPr>
-                              <m:t>𝑟𝑑𝑒𝑟</m:t>
+                              <m:t>𝑑𝑒𝑟</m:t>
                             </m:r>
                             <m:d>
                               <m:dPr>
@@ -8449,6 +7450,993 @@
 </p:sld>
 </file>
 
+<file path=ppt/slides/slide18.xml><?xml version="1.0" encoding="utf-8"?>
+<p:sld xmlns:a="http://schemas.openxmlformats.org/drawingml/2006/main" xmlns:r="http://schemas.openxmlformats.org/officeDocument/2006/relationships" xmlns:p="http://schemas.openxmlformats.org/presentationml/2006/main">
+  <p:cSld>
+    <p:spTree>
+      <p:nvGrpSpPr>
+        <p:cNvPr id="1" name=""/>
+        <p:cNvGrpSpPr/>
+        <p:nvPr/>
+      </p:nvGrpSpPr>
+      <p:grpSpPr>
+        <a:xfrm>
+          <a:off x="0" y="0"/>
+          <a:ext cx="0" cy="0"/>
+          <a:chOff x="0" y="0"/>
+          <a:chExt cx="0" cy="0"/>
+        </a:xfrm>
+      </p:grpSpPr>
+      <p:sp>
+        <p:nvSpPr>
+          <p:cNvPr id="2" name="제목 1">
+            <a:extLst>
+              <a:ext uri="{FF2B5EF4-FFF2-40B4-BE49-F238E27FC236}">
+                <a16:creationId xmlns:a16="http://schemas.microsoft.com/office/drawing/2014/main" id="{971E1D43-6E2D-4C0D-B029-5E7B4A7B65C7}"/>
+              </a:ext>
+            </a:extLst>
+          </p:cNvPr>
+          <p:cNvSpPr>
+            <a:spLocks noGrp="1"/>
+          </p:cNvSpPr>
+          <p:nvPr>
+            <p:ph type="title"/>
+          </p:nvPr>
+        </p:nvSpPr>
+        <p:spPr/>
+        <p:txBody>
+          <a:bodyPr/>
+          <a:lstStyle/>
+          <a:p>
+            <a:r>
+              <a:rPr lang="en-US" altLang="ko-KR" dirty="0"/>
+              <a:t>5. </a:t>
+            </a:r>
+            <a:r>
+              <a:rPr lang="ko-KR" altLang="en-US" dirty="0"/>
+              <a:t>트리의 순회</a:t>
+            </a:r>
+          </a:p>
+        </p:txBody>
+      </p:sp>
+      <mc:AlternateContent xmlns:mc="http://schemas.openxmlformats.org/markup-compatibility/2006">
+        <mc:Choice xmlns:a14="http://schemas.microsoft.com/office/drawing/2010/main" Requires="a14">
+          <p:sp>
+            <p:nvSpPr>
+              <p:cNvPr id="3" name="내용 개체 틀 2">
+                <a:extLst>
+                  <a:ext uri="{FF2B5EF4-FFF2-40B4-BE49-F238E27FC236}">
+                    <a16:creationId xmlns:a16="http://schemas.microsoft.com/office/drawing/2014/main" id="{9157DAF6-4938-4D06-A46C-3399025FCF5E}"/>
+                  </a:ext>
+                </a:extLst>
+              </p:cNvPr>
+              <p:cNvSpPr>
+                <a:spLocks noGrp="1"/>
+              </p:cNvSpPr>
+              <p:nvPr>
+                <p:ph idx="1"/>
+              </p:nvPr>
+            </p:nvSpPr>
+            <p:spPr/>
+            <p:txBody>
+              <a:bodyPr>
+                <a:normAutofit/>
+              </a:bodyPr>
+              <a:lstStyle/>
+              <a:p>
+                <a:pPr>
+                  <a:lnSpc>
+                    <a:spcPct val="120000"/>
+                  </a:lnSpc>
+                </a:pPr>
+                <a:r>
+                  <a:rPr lang="ko-KR" altLang="en-US" dirty="0"/>
+                  <a:t>이때 트리에 대해서 </a:t>
+                </a:r>
+                <a:r>
+                  <a:rPr lang="en-US" altLang="ko-KR" dirty="0" err="1"/>
+                  <a:t>Inorder</a:t>
+                </a:r>
+                <a:r>
+                  <a:rPr lang="ko-KR" altLang="en-US" dirty="0"/>
+                  <a:t> 함수의 방문 순서 </a:t>
+                </a:r>
+                <a14:m>
+                  <m:oMath xmlns:m="http://schemas.openxmlformats.org/officeDocument/2006/math">
+                    <m:r>
+                      <a:rPr lang="en-US" altLang="ko-KR" b="0" i="1" smtClean="0">
+                        <a:latin typeface="Cambria Math" panose="02040503050406030204" pitchFamily="18" charset="0"/>
+                      </a:rPr>
+                      <m:t>𝐴</m:t>
+                    </m:r>
+                    <m:r>
+                      <a:rPr lang="en-US" altLang="ko-KR" b="0" i="1" smtClean="0">
+                        <a:latin typeface="Cambria Math" panose="02040503050406030204" pitchFamily="18" charset="0"/>
+                      </a:rPr>
+                      <m:t>=</m:t>
+                    </m:r>
+                    <m:d>
+                      <m:dPr>
+                        <m:begChr m:val="{"/>
+                        <m:endChr m:val="|"/>
+                        <m:ctrlPr>
+                          <a:rPr lang="en-US" altLang="ko-KR" b="0" i="1" smtClean="0">
+                            <a:latin typeface="Cambria Math" panose="02040503050406030204" pitchFamily="18" charset="0"/>
+                          </a:rPr>
+                        </m:ctrlPr>
+                      </m:dPr>
+                      <m:e>
+                        <m:sSub>
+                          <m:sSubPr>
+                            <m:ctrlPr>
+                              <a:rPr lang="en-US" altLang="ko-KR" b="0" i="1" smtClean="0">
+                                <a:latin typeface="Cambria Math" panose="02040503050406030204" pitchFamily="18" charset="0"/>
+                              </a:rPr>
+                            </m:ctrlPr>
+                          </m:sSubPr>
+                          <m:e>
+                            <m:r>
+                              <a:rPr lang="en-US" altLang="ko-KR" b="0" i="1" smtClean="0">
+                                <a:latin typeface="Cambria Math" panose="02040503050406030204" pitchFamily="18" charset="0"/>
+                              </a:rPr>
+                              <m:t>𝑎</m:t>
+                            </m:r>
+                          </m:e>
+                          <m:sub>
+                            <m:r>
+                              <a:rPr lang="en-US" altLang="ko-KR" b="0" i="1" smtClean="0">
+                                <a:latin typeface="Cambria Math" panose="02040503050406030204" pitchFamily="18" charset="0"/>
+                              </a:rPr>
+                              <m:t>𝑖</m:t>
+                            </m:r>
+                          </m:sub>
+                        </m:sSub>
+                      </m:e>
+                    </m:d>
+                    <m:sSub>
+                      <m:sSubPr>
+                        <m:ctrlPr>
+                          <a:rPr lang="en-US" altLang="ko-KR" b="0" i="1" smtClean="0">
+                            <a:latin typeface="Cambria Math" panose="02040503050406030204" pitchFamily="18" charset="0"/>
+                          </a:rPr>
+                        </m:ctrlPr>
+                      </m:sSubPr>
+                      <m:e>
+                        <m:r>
+                          <a:rPr lang="en-US" altLang="ko-KR" b="0" i="1" smtClean="0">
+                            <a:latin typeface="Cambria Math" panose="02040503050406030204" pitchFamily="18" charset="0"/>
+                          </a:rPr>
+                          <m:t>𝑎</m:t>
+                        </m:r>
+                      </m:e>
+                      <m:sub>
+                        <m:r>
+                          <a:rPr lang="en-US" altLang="ko-KR" b="0" i="1" smtClean="0">
+                            <a:latin typeface="Cambria Math" panose="02040503050406030204" pitchFamily="18" charset="0"/>
+                          </a:rPr>
+                          <m:t>𝑖</m:t>
+                        </m:r>
+                      </m:sub>
+                    </m:sSub>
+                    <m:r>
+                      <a:rPr lang="en-US" altLang="ko-KR" b="0" i="1" smtClean="0">
+                        <a:latin typeface="Cambria Math" panose="02040503050406030204" pitchFamily="18" charset="0"/>
+                        <a:ea typeface="Cambria Math" panose="02040503050406030204" pitchFamily="18" charset="0"/>
+                      </a:rPr>
+                      <m:t>∈</m:t>
+                    </m:r>
+                    <m:d>
+                      <m:dPr>
+                        <m:begChr m:val="["/>
+                        <m:endChr m:val="]"/>
+                        <m:ctrlPr>
+                          <a:rPr lang="en-US" altLang="ko-KR" b="0" i="1" smtClean="0">
+                            <a:latin typeface="Cambria Math" panose="02040503050406030204" pitchFamily="18" charset="0"/>
+                            <a:ea typeface="Cambria Math" panose="02040503050406030204" pitchFamily="18" charset="0"/>
+                          </a:rPr>
+                        </m:ctrlPr>
+                      </m:dPr>
+                      <m:e>
+                        <m:r>
+                          <a:rPr lang="en-US" altLang="ko-KR" b="0" i="1" smtClean="0">
+                            <a:latin typeface="Cambria Math" panose="02040503050406030204" pitchFamily="18" charset="0"/>
+                            <a:ea typeface="Cambria Math" panose="02040503050406030204" pitchFamily="18" charset="0"/>
+                          </a:rPr>
+                          <m:t>1,</m:t>
+                        </m:r>
+                        <m:r>
+                          <a:rPr lang="en-US" altLang="ko-KR" b="0" i="1" smtClean="0">
+                            <a:latin typeface="Cambria Math" panose="02040503050406030204" pitchFamily="18" charset="0"/>
+                            <a:ea typeface="Cambria Math" panose="02040503050406030204" pitchFamily="18" charset="0"/>
+                          </a:rPr>
+                          <m:t>𝑛</m:t>
+                        </m:r>
+                      </m:e>
+                    </m:d>
+                    <m:r>
+                      <a:rPr lang="en-US" altLang="ko-KR" b="0" i="1" smtClean="0">
+                        <a:latin typeface="Cambria Math" panose="02040503050406030204" pitchFamily="18" charset="0"/>
+                        <a:ea typeface="Cambria Math" panose="02040503050406030204" pitchFamily="18" charset="0"/>
+                      </a:rPr>
+                      <m:t>, 1≤</m:t>
+                    </m:r>
+                    <m:r>
+                      <a:rPr lang="en-US" altLang="ko-KR" b="0" i="1" smtClean="0">
+                        <a:latin typeface="Cambria Math" panose="02040503050406030204" pitchFamily="18" charset="0"/>
+                        <a:ea typeface="Cambria Math" panose="02040503050406030204" pitchFamily="18" charset="0"/>
+                      </a:rPr>
+                      <m:t>𝑖</m:t>
+                    </m:r>
+                    <m:r>
+                      <a:rPr lang="en-US" altLang="ko-KR" b="0" i="1" smtClean="0">
+                        <a:latin typeface="Cambria Math" panose="02040503050406030204" pitchFamily="18" charset="0"/>
+                        <a:ea typeface="Cambria Math" panose="02040503050406030204" pitchFamily="18" charset="0"/>
+                      </a:rPr>
+                      <m:t>≤</m:t>
+                    </m:r>
+                    <m:r>
+                      <a:rPr lang="en-US" altLang="ko-KR" b="0" i="1" smtClean="0">
+                        <a:latin typeface="Cambria Math" panose="02040503050406030204" pitchFamily="18" charset="0"/>
+                        <a:ea typeface="Cambria Math" panose="02040503050406030204" pitchFamily="18" charset="0"/>
+                      </a:rPr>
+                      <m:t>𝑛</m:t>
+                    </m:r>
+                    <m:r>
+                      <a:rPr lang="en-US" altLang="ko-KR" b="0" i="1" smtClean="0">
+                        <a:latin typeface="Cambria Math" panose="02040503050406030204" pitchFamily="18" charset="0"/>
+                        <a:ea typeface="Cambria Math" panose="02040503050406030204" pitchFamily="18" charset="0"/>
+                      </a:rPr>
+                      <m:t>, </m:t>
+                    </m:r>
+                    <m:sSub>
+                      <m:sSubPr>
+                        <m:ctrlPr>
+                          <a:rPr lang="en-US" altLang="ko-KR" b="0" i="1" smtClean="0">
+                            <a:latin typeface="Cambria Math" panose="02040503050406030204" pitchFamily="18" charset="0"/>
+                            <a:ea typeface="Cambria Math" panose="02040503050406030204" pitchFamily="18" charset="0"/>
+                          </a:rPr>
+                        </m:ctrlPr>
+                      </m:sSubPr>
+                      <m:e>
+                        <m:r>
+                          <a:rPr lang="en-US" altLang="ko-KR" b="0" i="1" smtClean="0">
+                            <a:latin typeface="Cambria Math" panose="02040503050406030204" pitchFamily="18" charset="0"/>
+                            <a:ea typeface="Cambria Math" panose="02040503050406030204" pitchFamily="18" charset="0"/>
+                          </a:rPr>
+                          <m:t>𝑎</m:t>
+                        </m:r>
+                      </m:e>
+                      <m:sub>
+                        <m:r>
+                          <a:rPr lang="en-US" altLang="ko-KR" b="0" i="1" smtClean="0">
+                            <a:latin typeface="Cambria Math" panose="02040503050406030204" pitchFamily="18" charset="0"/>
+                            <a:ea typeface="Cambria Math" panose="02040503050406030204" pitchFamily="18" charset="0"/>
+                          </a:rPr>
+                          <m:t>𝑖</m:t>
+                        </m:r>
+                      </m:sub>
+                    </m:sSub>
+                    <m:r>
+                      <a:rPr lang="en-US" altLang="ko-KR" b="0" i="1" smtClean="0">
+                        <a:latin typeface="Cambria Math" panose="02040503050406030204" pitchFamily="18" charset="0"/>
+                        <a:ea typeface="Cambria Math" panose="02040503050406030204" pitchFamily="18" charset="0"/>
+                      </a:rPr>
+                      <m:t>≠</m:t>
+                    </m:r>
+                    <m:sSub>
+                      <m:sSubPr>
+                        <m:ctrlPr>
+                          <a:rPr lang="en-US" altLang="ko-KR" b="0" i="1" smtClean="0">
+                            <a:latin typeface="Cambria Math" panose="02040503050406030204" pitchFamily="18" charset="0"/>
+                            <a:ea typeface="Cambria Math" panose="02040503050406030204" pitchFamily="18" charset="0"/>
+                          </a:rPr>
+                        </m:ctrlPr>
+                      </m:sSubPr>
+                      <m:e>
+                        <m:r>
+                          <a:rPr lang="en-US" altLang="ko-KR" b="0" i="1" smtClean="0">
+                            <a:latin typeface="Cambria Math" panose="02040503050406030204" pitchFamily="18" charset="0"/>
+                            <a:ea typeface="Cambria Math" panose="02040503050406030204" pitchFamily="18" charset="0"/>
+                          </a:rPr>
+                          <m:t>𝑎</m:t>
+                        </m:r>
+                      </m:e>
+                      <m:sub>
+                        <m:r>
+                          <a:rPr lang="en-US" altLang="ko-KR" b="0" i="1" smtClean="0">
+                            <a:latin typeface="Cambria Math" panose="02040503050406030204" pitchFamily="18" charset="0"/>
+                            <a:ea typeface="Cambria Math" panose="02040503050406030204" pitchFamily="18" charset="0"/>
+                          </a:rPr>
+                          <m:t>𝑗</m:t>
+                        </m:r>
+                      </m:sub>
+                    </m:sSub>
+                    <m:r>
+                      <a:rPr lang="en-US" altLang="ko-KR" b="0" i="1" smtClean="0">
+                        <a:latin typeface="Cambria Math" panose="02040503050406030204" pitchFamily="18" charset="0"/>
+                        <a:ea typeface="Cambria Math" panose="02040503050406030204" pitchFamily="18" charset="0"/>
+                      </a:rPr>
+                      <m:t>(1≤</m:t>
+                    </m:r>
+                    <m:r>
+                      <a:rPr lang="en-US" altLang="ko-KR" b="0" i="1" smtClean="0">
+                        <a:latin typeface="Cambria Math" panose="02040503050406030204" pitchFamily="18" charset="0"/>
+                        <a:ea typeface="Cambria Math" panose="02040503050406030204" pitchFamily="18" charset="0"/>
+                      </a:rPr>
+                      <m:t>𝑖</m:t>
+                    </m:r>
+                    <m:r>
+                      <a:rPr lang="en-US" altLang="ko-KR" b="0" i="1" smtClean="0">
+                        <a:latin typeface="Cambria Math" panose="02040503050406030204" pitchFamily="18" charset="0"/>
+                        <a:ea typeface="Cambria Math" panose="02040503050406030204" pitchFamily="18" charset="0"/>
+                      </a:rPr>
+                      <m:t>,</m:t>
+                    </m:r>
+                    <m:r>
+                      <a:rPr lang="en-US" altLang="ko-KR" b="0" i="1" smtClean="0">
+                        <a:latin typeface="Cambria Math" panose="02040503050406030204" pitchFamily="18" charset="0"/>
+                        <a:ea typeface="Cambria Math" panose="02040503050406030204" pitchFamily="18" charset="0"/>
+                      </a:rPr>
+                      <m:t>𝑗</m:t>
+                    </m:r>
+                    <m:r>
+                      <a:rPr lang="en-US" altLang="ko-KR" b="0" i="1" smtClean="0">
+                        <a:latin typeface="Cambria Math" panose="02040503050406030204" pitchFamily="18" charset="0"/>
+                        <a:ea typeface="Cambria Math" panose="02040503050406030204" pitchFamily="18" charset="0"/>
+                      </a:rPr>
+                      <m:t>≤</m:t>
+                    </m:r>
+                    <m:r>
+                      <a:rPr lang="en-US" altLang="ko-KR" b="0" i="1" smtClean="0">
+                        <a:latin typeface="Cambria Math" panose="02040503050406030204" pitchFamily="18" charset="0"/>
+                        <a:ea typeface="Cambria Math" panose="02040503050406030204" pitchFamily="18" charset="0"/>
+                      </a:rPr>
+                      <m:t>𝑛</m:t>
+                    </m:r>
+                    <m:r>
+                      <a:rPr lang="en-US" altLang="ko-KR" b="0" i="1" smtClean="0">
+                        <a:latin typeface="Cambria Math" panose="02040503050406030204" pitchFamily="18" charset="0"/>
+                        <a:ea typeface="Cambria Math" panose="02040503050406030204" pitchFamily="18" charset="0"/>
+                      </a:rPr>
+                      <m:t>,  </m:t>
+                    </m:r>
+                    <m:r>
+                      <a:rPr lang="en-US" altLang="ko-KR" b="0" i="1" smtClean="0">
+                        <a:latin typeface="Cambria Math" panose="02040503050406030204" pitchFamily="18" charset="0"/>
+                        <a:ea typeface="Cambria Math" panose="02040503050406030204" pitchFamily="18" charset="0"/>
+                      </a:rPr>
+                      <m:t>𝑖</m:t>
+                    </m:r>
+                    <m:r>
+                      <a:rPr lang="en-US" altLang="ko-KR" b="0" i="1" smtClean="0">
+                        <a:latin typeface="Cambria Math" panose="02040503050406030204" pitchFamily="18" charset="0"/>
+                        <a:ea typeface="Cambria Math" panose="02040503050406030204" pitchFamily="18" charset="0"/>
+                      </a:rPr>
+                      <m:t>≠</m:t>
+                    </m:r>
+                    <m:r>
+                      <a:rPr lang="en-US" altLang="ko-KR" b="0" i="1" smtClean="0">
+                        <a:latin typeface="Cambria Math" panose="02040503050406030204" pitchFamily="18" charset="0"/>
+                        <a:ea typeface="Cambria Math" panose="02040503050406030204" pitchFamily="18" charset="0"/>
+                      </a:rPr>
+                      <m:t>𝑗</m:t>
+                    </m:r>
+                    <m:r>
+                      <a:rPr lang="en-US" altLang="ko-KR" b="0" i="1" smtClean="0">
+                        <a:latin typeface="Cambria Math" panose="02040503050406030204" pitchFamily="18" charset="0"/>
+                        <a:ea typeface="Cambria Math" panose="02040503050406030204" pitchFamily="18" charset="0"/>
+                      </a:rPr>
+                      <m:t>)},</m:t>
+                    </m:r>
+                  </m:oMath>
+                </a14:m>
+                <a:r>
+                  <a:rPr lang="en-US" altLang="ko-KR" b="0" dirty="0">
+                    <a:ea typeface="Cambria Math" panose="02040503050406030204" pitchFamily="18" charset="0"/>
+                  </a:rPr>
+                  <a:t> </a:t>
+                </a:r>
+                <a:r>
+                  <a:rPr lang="en-US" altLang="ko-KR" b="0" dirty="0" err="1">
+                    <a:ea typeface="Cambria Math" panose="02040503050406030204" pitchFamily="18" charset="0"/>
+                  </a:rPr>
+                  <a:t>Postorder</a:t>
+                </a:r>
+                <a:r>
+                  <a:rPr lang="ko-KR" altLang="en-US" dirty="0">
+                    <a:latin typeface="+mn-ea"/>
+                  </a:rPr>
+                  <a:t>함수의 방문 순서 </a:t>
+                </a:r>
+                <a14:m>
+                  <m:oMath xmlns:m="http://schemas.openxmlformats.org/officeDocument/2006/math">
+                    <m:r>
+                      <m:rPr>
+                        <m:sty m:val="p"/>
+                      </m:rPr>
+                      <a:rPr lang="en-US" altLang="ko-KR" b="0" i="0" smtClean="0">
+                        <a:latin typeface="Cambria Math" panose="02040503050406030204" pitchFamily="18" charset="0"/>
+                      </a:rPr>
+                      <m:t>B</m:t>
+                    </m:r>
+                    <m:r>
+                      <a:rPr lang="en-US" altLang="ko-KR" b="0" i="1" smtClean="0">
+                        <a:latin typeface="Cambria Math" panose="02040503050406030204" pitchFamily="18" charset="0"/>
+                      </a:rPr>
+                      <m:t>=</m:t>
+                    </m:r>
+                    <m:d>
+                      <m:dPr>
+                        <m:begChr m:val="{"/>
+                        <m:endChr m:val="|"/>
+                        <m:ctrlPr>
+                          <a:rPr lang="en-US" altLang="ko-KR" b="0" i="1" smtClean="0">
+                            <a:latin typeface="Cambria Math" panose="02040503050406030204" pitchFamily="18" charset="0"/>
+                          </a:rPr>
+                        </m:ctrlPr>
+                      </m:dPr>
+                      <m:e>
+                        <m:sSub>
+                          <m:sSubPr>
+                            <m:ctrlPr>
+                              <a:rPr lang="en-US" altLang="ko-KR" b="0" i="1" smtClean="0">
+                                <a:latin typeface="Cambria Math" panose="02040503050406030204" pitchFamily="18" charset="0"/>
+                              </a:rPr>
+                            </m:ctrlPr>
+                          </m:sSubPr>
+                          <m:e>
+                            <m:r>
+                              <a:rPr lang="en-US" altLang="ko-KR" b="0" i="1" smtClean="0">
+                                <a:latin typeface="Cambria Math" panose="02040503050406030204" pitchFamily="18" charset="0"/>
+                              </a:rPr>
+                              <m:t>𝑏</m:t>
+                            </m:r>
+                          </m:e>
+                          <m:sub>
+                            <m:r>
+                              <a:rPr lang="en-US" altLang="ko-KR" b="0" i="1" smtClean="0">
+                                <a:latin typeface="Cambria Math" panose="02040503050406030204" pitchFamily="18" charset="0"/>
+                              </a:rPr>
+                              <m:t>𝑖</m:t>
+                            </m:r>
+                          </m:sub>
+                        </m:sSub>
+                      </m:e>
+                    </m:d>
+                    <m:sSub>
+                      <m:sSubPr>
+                        <m:ctrlPr>
+                          <a:rPr lang="en-US" altLang="ko-KR" b="0" i="1" smtClean="0">
+                            <a:latin typeface="Cambria Math" panose="02040503050406030204" pitchFamily="18" charset="0"/>
+                          </a:rPr>
+                        </m:ctrlPr>
+                      </m:sSubPr>
+                      <m:e>
+                        <m:r>
+                          <a:rPr lang="en-US" altLang="ko-KR" b="0" i="1" smtClean="0">
+                            <a:latin typeface="Cambria Math" panose="02040503050406030204" pitchFamily="18" charset="0"/>
+                          </a:rPr>
+                          <m:t>𝑏</m:t>
+                        </m:r>
+                      </m:e>
+                      <m:sub>
+                        <m:r>
+                          <a:rPr lang="en-US" altLang="ko-KR" b="0" i="1" smtClean="0">
+                            <a:latin typeface="Cambria Math" panose="02040503050406030204" pitchFamily="18" charset="0"/>
+                          </a:rPr>
+                          <m:t>𝑖</m:t>
+                        </m:r>
+                      </m:sub>
+                    </m:sSub>
+                    <m:r>
+                      <a:rPr lang="en-US" altLang="ko-KR" b="0" i="1" smtClean="0">
+                        <a:latin typeface="Cambria Math" panose="02040503050406030204" pitchFamily="18" charset="0"/>
+                        <a:ea typeface="Cambria Math" panose="02040503050406030204" pitchFamily="18" charset="0"/>
+                      </a:rPr>
+                      <m:t>∈</m:t>
+                    </m:r>
+                    <m:d>
+                      <m:dPr>
+                        <m:begChr m:val="["/>
+                        <m:endChr m:val="]"/>
+                        <m:ctrlPr>
+                          <a:rPr lang="en-US" altLang="ko-KR" b="0" i="1" smtClean="0">
+                            <a:latin typeface="Cambria Math" panose="02040503050406030204" pitchFamily="18" charset="0"/>
+                            <a:ea typeface="Cambria Math" panose="02040503050406030204" pitchFamily="18" charset="0"/>
+                          </a:rPr>
+                        </m:ctrlPr>
+                      </m:dPr>
+                      <m:e>
+                        <m:r>
+                          <a:rPr lang="en-US" altLang="ko-KR" b="0" i="1" smtClean="0">
+                            <a:latin typeface="Cambria Math" panose="02040503050406030204" pitchFamily="18" charset="0"/>
+                            <a:ea typeface="Cambria Math" panose="02040503050406030204" pitchFamily="18" charset="0"/>
+                          </a:rPr>
+                          <m:t>1,</m:t>
+                        </m:r>
+                        <m:r>
+                          <a:rPr lang="en-US" altLang="ko-KR" b="0" i="1" smtClean="0">
+                            <a:latin typeface="Cambria Math" panose="02040503050406030204" pitchFamily="18" charset="0"/>
+                            <a:ea typeface="Cambria Math" panose="02040503050406030204" pitchFamily="18" charset="0"/>
+                          </a:rPr>
+                          <m:t>𝑛</m:t>
+                        </m:r>
+                      </m:e>
+                    </m:d>
+                    <m:r>
+                      <a:rPr lang="en-US" altLang="ko-KR" b="0" i="1" smtClean="0">
+                        <a:latin typeface="Cambria Math" panose="02040503050406030204" pitchFamily="18" charset="0"/>
+                        <a:ea typeface="Cambria Math" panose="02040503050406030204" pitchFamily="18" charset="0"/>
+                      </a:rPr>
+                      <m:t>, 1≤</m:t>
+                    </m:r>
+                    <m:r>
+                      <a:rPr lang="en-US" altLang="ko-KR" b="0" i="1" smtClean="0">
+                        <a:latin typeface="Cambria Math" panose="02040503050406030204" pitchFamily="18" charset="0"/>
+                        <a:ea typeface="Cambria Math" panose="02040503050406030204" pitchFamily="18" charset="0"/>
+                      </a:rPr>
+                      <m:t>𝑖</m:t>
+                    </m:r>
+                    <m:r>
+                      <a:rPr lang="en-US" altLang="ko-KR" b="0" i="1" smtClean="0">
+                        <a:latin typeface="Cambria Math" panose="02040503050406030204" pitchFamily="18" charset="0"/>
+                        <a:ea typeface="Cambria Math" panose="02040503050406030204" pitchFamily="18" charset="0"/>
+                      </a:rPr>
+                      <m:t>≤</m:t>
+                    </m:r>
+                    <m:r>
+                      <a:rPr lang="en-US" altLang="ko-KR" b="0" i="1" smtClean="0">
+                        <a:latin typeface="Cambria Math" panose="02040503050406030204" pitchFamily="18" charset="0"/>
+                        <a:ea typeface="Cambria Math" panose="02040503050406030204" pitchFamily="18" charset="0"/>
+                      </a:rPr>
+                      <m:t>𝑛</m:t>
+                    </m:r>
+                    <m:r>
+                      <a:rPr lang="en-US" altLang="ko-KR" b="0" i="1" smtClean="0">
+                        <a:latin typeface="Cambria Math" panose="02040503050406030204" pitchFamily="18" charset="0"/>
+                        <a:ea typeface="Cambria Math" panose="02040503050406030204" pitchFamily="18" charset="0"/>
+                      </a:rPr>
+                      <m:t>,</m:t>
+                    </m:r>
+                    <m:sSub>
+                      <m:sSubPr>
+                        <m:ctrlPr>
+                          <a:rPr lang="en-US" altLang="ko-KR" i="1">
+                            <a:latin typeface="Cambria Math" panose="02040503050406030204" pitchFamily="18" charset="0"/>
+                          </a:rPr>
+                        </m:ctrlPr>
+                      </m:sSubPr>
+                      <m:e>
+                        <m:r>
+                          <a:rPr lang="en-US" altLang="ko-KR" i="1">
+                            <a:latin typeface="Cambria Math" panose="02040503050406030204" pitchFamily="18" charset="0"/>
+                          </a:rPr>
+                          <m:t>𝑏</m:t>
+                        </m:r>
+                      </m:e>
+                      <m:sub>
+                        <m:r>
+                          <a:rPr lang="en-US" altLang="ko-KR" i="1">
+                            <a:latin typeface="Cambria Math" panose="02040503050406030204" pitchFamily="18" charset="0"/>
+                          </a:rPr>
+                          <m:t>𝑖</m:t>
+                        </m:r>
+                      </m:sub>
+                    </m:sSub>
+                    <m:r>
+                      <a:rPr lang="en-US" altLang="ko-KR" i="1">
+                        <a:latin typeface="Cambria Math" panose="02040503050406030204" pitchFamily="18" charset="0"/>
+                        <a:ea typeface="Cambria Math" panose="02040503050406030204" pitchFamily="18" charset="0"/>
+                      </a:rPr>
+                      <m:t>≠</m:t>
+                    </m:r>
+                    <m:sSub>
+                      <m:sSubPr>
+                        <m:ctrlPr>
+                          <a:rPr lang="en-US" altLang="ko-KR" i="1">
+                            <a:latin typeface="Cambria Math" panose="02040503050406030204" pitchFamily="18" charset="0"/>
+                          </a:rPr>
+                        </m:ctrlPr>
+                      </m:sSubPr>
+                      <m:e>
+                        <m:r>
+                          <a:rPr lang="en-US" altLang="ko-KR" i="1">
+                            <a:latin typeface="Cambria Math" panose="02040503050406030204" pitchFamily="18" charset="0"/>
+                          </a:rPr>
+                          <m:t>𝑏</m:t>
+                        </m:r>
+                      </m:e>
+                      <m:sub>
+                        <m:r>
+                          <a:rPr lang="en-US" altLang="ko-KR" b="0" i="1" smtClean="0">
+                            <a:latin typeface="Cambria Math" panose="02040503050406030204" pitchFamily="18" charset="0"/>
+                          </a:rPr>
+                          <m:t>𝑗</m:t>
+                        </m:r>
+                      </m:sub>
+                    </m:sSub>
+                    <m:r>
+                      <a:rPr lang="en-US" altLang="ko-KR" b="0" i="1" smtClean="0">
+                        <a:latin typeface="Cambria Math" panose="02040503050406030204" pitchFamily="18" charset="0"/>
+                      </a:rPr>
+                      <m:t> </m:t>
+                    </m:r>
+                    <m:r>
+                      <a:rPr lang="en-US" altLang="ko-KR" b="0" i="1" smtClean="0">
+                        <a:latin typeface="Cambria Math" panose="02040503050406030204" pitchFamily="18" charset="0"/>
+                        <a:ea typeface="Cambria Math" panose="02040503050406030204" pitchFamily="18" charset="0"/>
+                      </a:rPr>
+                      <m:t>(1≤</m:t>
+                    </m:r>
+                    <m:r>
+                      <a:rPr lang="en-US" altLang="ko-KR" b="0" i="1" smtClean="0">
+                        <a:latin typeface="Cambria Math" panose="02040503050406030204" pitchFamily="18" charset="0"/>
+                        <a:ea typeface="Cambria Math" panose="02040503050406030204" pitchFamily="18" charset="0"/>
+                      </a:rPr>
+                      <m:t>𝑖</m:t>
+                    </m:r>
+                    <m:r>
+                      <a:rPr lang="en-US" altLang="ko-KR" b="0" i="1" smtClean="0">
+                        <a:latin typeface="Cambria Math" panose="02040503050406030204" pitchFamily="18" charset="0"/>
+                        <a:ea typeface="Cambria Math" panose="02040503050406030204" pitchFamily="18" charset="0"/>
+                      </a:rPr>
+                      <m:t>,</m:t>
+                    </m:r>
+                    <m:r>
+                      <a:rPr lang="en-US" altLang="ko-KR" b="0" i="1" smtClean="0">
+                        <a:latin typeface="Cambria Math" panose="02040503050406030204" pitchFamily="18" charset="0"/>
+                        <a:ea typeface="Cambria Math" panose="02040503050406030204" pitchFamily="18" charset="0"/>
+                      </a:rPr>
+                      <m:t>𝑗</m:t>
+                    </m:r>
+                    <m:r>
+                      <a:rPr lang="en-US" altLang="ko-KR" b="0" i="1" smtClean="0">
+                        <a:latin typeface="Cambria Math" panose="02040503050406030204" pitchFamily="18" charset="0"/>
+                        <a:ea typeface="Cambria Math" panose="02040503050406030204" pitchFamily="18" charset="0"/>
+                      </a:rPr>
+                      <m:t>≤</m:t>
+                    </m:r>
+                    <m:r>
+                      <a:rPr lang="en-US" altLang="ko-KR" b="0" i="1" smtClean="0">
+                        <a:latin typeface="Cambria Math" panose="02040503050406030204" pitchFamily="18" charset="0"/>
+                        <a:ea typeface="Cambria Math" panose="02040503050406030204" pitchFamily="18" charset="0"/>
+                      </a:rPr>
+                      <m:t>𝑛</m:t>
+                    </m:r>
+                    <m:r>
+                      <a:rPr lang="en-US" altLang="ko-KR" b="0" i="1" smtClean="0">
+                        <a:latin typeface="Cambria Math" panose="02040503050406030204" pitchFamily="18" charset="0"/>
+                        <a:ea typeface="Cambria Math" panose="02040503050406030204" pitchFamily="18" charset="0"/>
+                      </a:rPr>
+                      <m:t>,</m:t>
+                    </m:r>
+                    <m:r>
+                      <a:rPr lang="en-US" altLang="ko-KR" b="0" i="1" smtClean="0">
+                        <a:latin typeface="Cambria Math" panose="02040503050406030204" pitchFamily="18" charset="0"/>
+                        <a:ea typeface="Cambria Math" panose="02040503050406030204" pitchFamily="18" charset="0"/>
+                      </a:rPr>
+                      <m:t> </m:t>
+                    </m:r>
+                    <m:r>
+                      <a:rPr lang="en-US" altLang="ko-KR" b="0" i="1" smtClean="0">
+                        <a:latin typeface="Cambria Math" panose="02040503050406030204" pitchFamily="18" charset="0"/>
+                        <a:ea typeface="Cambria Math" panose="02040503050406030204" pitchFamily="18" charset="0"/>
+                      </a:rPr>
+                      <m:t>𝑖</m:t>
+                    </m:r>
+                    <m:r>
+                      <a:rPr lang="en-US" altLang="ko-KR" b="0" i="1" smtClean="0">
+                        <a:latin typeface="Cambria Math" panose="02040503050406030204" pitchFamily="18" charset="0"/>
+                        <a:ea typeface="Cambria Math" panose="02040503050406030204" pitchFamily="18" charset="0"/>
+                      </a:rPr>
+                      <m:t>≠</m:t>
+                    </m:r>
+                    <m:r>
+                      <a:rPr lang="en-US" altLang="ko-KR" b="0" i="1" smtClean="0">
+                        <a:latin typeface="Cambria Math" panose="02040503050406030204" pitchFamily="18" charset="0"/>
+                        <a:ea typeface="Cambria Math" panose="02040503050406030204" pitchFamily="18" charset="0"/>
+                      </a:rPr>
+                      <m:t>𝑗</m:t>
+                    </m:r>
+                    <m:r>
+                      <a:rPr lang="en-US" altLang="ko-KR" b="0" i="1" smtClean="0">
+                        <a:latin typeface="Cambria Math" panose="02040503050406030204" pitchFamily="18" charset="0"/>
+                        <a:ea typeface="Cambria Math" panose="02040503050406030204" pitchFamily="18" charset="0"/>
+                      </a:rPr>
+                      <m:t>)}</m:t>
+                    </m:r>
+                  </m:oMath>
+                </a14:m>
+                <a:r>
+                  <a:rPr lang="en-US" altLang="ko-KR" dirty="0">
+                    <a:latin typeface="+mn-ea"/>
+                  </a:rPr>
+                  <a:t> </a:t>
+                </a:r>
+                <a:r>
+                  <a:rPr lang="ko-KR" altLang="en-US" dirty="0">
+                    <a:latin typeface="+mn-ea"/>
+                  </a:rPr>
+                  <a:t>라하자</a:t>
+                </a:r>
+                <a:r>
+                  <a:rPr lang="en-US" altLang="ko-KR" dirty="0">
+                    <a:latin typeface="+mn-ea"/>
+                  </a:rPr>
+                  <a:t>.</a:t>
+                </a:r>
+              </a:p>
+              <a:p>
+                <a:pPr>
+                  <a:lnSpc>
+                    <a:spcPct val="120000"/>
+                  </a:lnSpc>
+                </a:pPr>
+                <a:r>
+                  <a:rPr lang="ko-KR" altLang="en-US" dirty="0">
+                    <a:latin typeface="+mn-ea"/>
+                  </a:rPr>
+                  <a:t>그</a:t>
+                </a:r>
+                <a14:m>
+                  <m:oMath xmlns:m="http://schemas.openxmlformats.org/officeDocument/2006/math">
+                    <m:r>
+                      <a:rPr lang="ko-KR" altLang="en-US" i="1" dirty="0" smtClean="0">
+                        <a:latin typeface="Cambria Math" panose="02040503050406030204" pitchFamily="18" charset="0"/>
+                      </a:rPr>
+                      <m:t>렇</m:t>
+                    </m:r>
+                    <m:r>
+                      <a:rPr lang="ko-KR" altLang="en-US" i="1" dirty="0">
+                        <a:latin typeface="Cambria Math" panose="02040503050406030204" pitchFamily="18" charset="0"/>
+                      </a:rPr>
+                      <m:t>다</m:t>
+                    </m:r>
+                    <m:r>
+                      <a:rPr lang="ko-KR" altLang="en-US" i="1" dirty="0" smtClean="0">
+                        <a:latin typeface="Cambria Math" panose="02040503050406030204" pitchFamily="18" charset="0"/>
+                      </a:rPr>
+                      <m:t>면</m:t>
+                    </m:r>
+                    <m:r>
+                      <a:rPr lang="en-US" altLang="ko-KR" b="0" i="1" dirty="0" smtClean="0">
+                        <a:latin typeface="Cambria Math" panose="02040503050406030204" pitchFamily="18" charset="0"/>
+                      </a:rPr>
+                      <m:t> </m:t>
+                    </m:r>
+                    <m:sSub>
+                      <m:sSubPr>
+                        <m:ctrlPr>
+                          <a:rPr lang="en-US" altLang="ko-KR" i="1" smtClean="0">
+                            <a:latin typeface="Cambria Math" panose="02040503050406030204" pitchFamily="18" charset="0"/>
+                          </a:rPr>
+                        </m:ctrlPr>
+                      </m:sSubPr>
+                      <m:e>
+                        <m:r>
+                          <a:rPr lang="en-US" altLang="ko-KR" b="0" i="1" smtClean="0">
+                            <a:latin typeface="Cambria Math" panose="02040503050406030204" pitchFamily="18" charset="0"/>
+                          </a:rPr>
+                          <m:t>𝑏</m:t>
+                        </m:r>
+                      </m:e>
+                      <m:sub>
+                        <m:r>
+                          <a:rPr lang="en-US" altLang="ko-KR" b="0" i="1" smtClean="0">
+                            <a:latin typeface="Cambria Math" panose="02040503050406030204" pitchFamily="18" charset="0"/>
+                          </a:rPr>
+                          <m:t>𝑛</m:t>
+                        </m:r>
+                      </m:sub>
+                    </m:sSub>
+                    <m:r>
+                      <a:rPr lang="en-US" altLang="ko-KR" b="0" i="1" smtClean="0">
+                        <a:latin typeface="Cambria Math" panose="02040503050406030204" pitchFamily="18" charset="0"/>
+                      </a:rPr>
+                      <m:t> </m:t>
+                    </m:r>
+                  </m:oMath>
+                </a14:m>
+                <a:r>
+                  <a:rPr lang="ko-KR" altLang="en-US" dirty="0">
+                    <a:latin typeface="+mn-ea"/>
+                  </a:rPr>
+                  <a:t>은 트리의 루트 정점이 된다</a:t>
+                </a:r>
+                <a:r>
+                  <a:rPr lang="en-US" altLang="ko-KR" dirty="0">
+                    <a:latin typeface="+mn-ea"/>
+                  </a:rPr>
+                  <a:t>.</a:t>
+                </a:r>
+              </a:p>
+              <a:p>
+                <a:pPr>
+                  <a:lnSpc>
+                    <a:spcPct val="120000"/>
+                  </a:lnSpc>
+                </a:pPr>
+                <a:r>
+                  <a:rPr lang="ko-KR" altLang="en-US" dirty="0"/>
+                  <a:t>그</a:t>
+                </a:r>
+                <a14:m>
+                  <m:oMath xmlns:m="http://schemas.openxmlformats.org/officeDocument/2006/math">
+                    <m:r>
+                      <a:rPr lang="ko-KR" altLang="en-US" i="1">
+                        <a:latin typeface="Cambria Math" panose="02040503050406030204" pitchFamily="18" charset="0"/>
+                      </a:rPr>
+                      <m:t>리</m:t>
+                    </m:r>
+                    <m:r>
+                      <a:rPr lang="ko-KR" altLang="en-US" i="1" smtClean="0">
+                        <a:latin typeface="Cambria Math" panose="02040503050406030204" pitchFamily="18" charset="0"/>
+                      </a:rPr>
+                      <m:t>고</m:t>
+                    </m:r>
+                    <m:r>
+                      <a:rPr lang="en-US" altLang="ko-KR" b="0" i="1" smtClean="0">
+                        <a:latin typeface="Cambria Math" panose="02040503050406030204" pitchFamily="18" charset="0"/>
+                      </a:rPr>
+                      <m:t> </m:t>
+                    </m:r>
+                    <m:sSub>
+                      <m:sSubPr>
+                        <m:ctrlPr>
+                          <a:rPr lang="en-US" altLang="ko-KR" i="1" smtClean="0">
+                            <a:latin typeface="Cambria Math" panose="02040503050406030204" pitchFamily="18" charset="0"/>
+                          </a:rPr>
+                        </m:ctrlPr>
+                      </m:sSubPr>
+                      <m:e>
+                        <m:r>
+                          <a:rPr lang="en-US" altLang="ko-KR" b="0" i="1" smtClean="0">
+                            <a:latin typeface="Cambria Math" panose="02040503050406030204" pitchFamily="18" charset="0"/>
+                          </a:rPr>
+                          <m:t>𝑏</m:t>
+                        </m:r>
+                      </m:e>
+                      <m:sub>
+                        <m:r>
+                          <a:rPr lang="en-US" altLang="ko-KR" b="0" i="1" smtClean="0">
+                            <a:latin typeface="Cambria Math" panose="02040503050406030204" pitchFamily="18" charset="0"/>
+                          </a:rPr>
+                          <m:t>𝑛</m:t>
+                        </m:r>
+                      </m:sub>
+                    </m:sSub>
+                    <m:r>
+                      <a:rPr lang="en-US" altLang="ko-KR" b="0" i="1" smtClean="0">
+                        <a:latin typeface="Cambria Math" panose="02040503050406030204" pitchFamily="18" charset="0"/>
+                      </a:rPr>
+                      <m:t>= </m:t>
+                    </m:r>
+                    <m:sSub>
+                      <m:sSubPr>
+                        <m:ctrlPr>
+                          <a:rPr lang="en-US" altLang="ko-KR" b="0" i="1" smtClean="0">
+                            <a:latin typeface="Cambria Math" panose="02040503050406030204" pitchFamily="18" charset="0"/>
+                          </a:rPr>
+                        </m:ctrlPr>
+                      </m:sSubPr>
+                      <m:e>
+                        <m:r>
+                          <a:rPr lang="en-US" altLang="ko-KR" b="0" i="1" smtClean="0">
+                            <a:latin typeface="Cambria Math" panose="02040503050406030204" pitchFamily="18" charset="0"/>
+                          </a:rPr>
+                          <m:t>𝑎</m:t>
+                        </m:r>
+                      </m:e>
+                      <m:sub>
+                        <m:r>
+                          <a:rPr lang="en-US" altLang="ko-KR" b="0" i="1" smtClean="0">
+                            <a:latin typeface="Cambria Math" panose="02040503050406030204" pitchFamily="18" charset="0"/>
+                          </a:rPr>
+                          <m:t>𝑘</m:t>
+                        </m:r>
+                      </m:sub>
+                    </m:sSub>
+                    <m:r>
+                      <a:rPr lang="en-US" altLang="ko-KR" b="0" i="1" smtClean="0">
+                        <a:latin typeface="Cambria Math" panose="02040503050406030204" pitchFamily="18" charset="0"/>
+                      </a:rPr>
+                      <m:t> </m:t>
+                    </m:r>
+                    <m:r>
+                      <a:rPr lang="ko-KR" altLang="en-US" i="1">
+                        <a:latin typeface="Cambria Math" panose="02040503050406030204" pitchFamily="18" charset="0"/>
+                      </a:rPr>
+                      <m:t>를</m:t>
+                    </m:r>
+                  </m:oMath>
+                </a14:m>
+                <a:r>
+                  <a:rPr lang="en-US" altLang="ko-KR" dirty="0">
+                    <a:latin typeface="+mn-ea"/>
+                  </a:rPr>
+                  <a:t> </a:t>
+                </a:r>
+                <a:r>
+                  <a:rPr lang="ko-KR" altLang="en-US" dirty="0">
+                    <a:latin typeface="+mn-ea"/>
+                  </a:rPr>
+                  <a:t>만족하는 </a:t>
+                </a:r>
+                <a:r>
+                  <a:rPr lang="en-US" altLang="ko-KR" dirty="0">
+                    <a:latin typeface="+mn-ea"/>
+                  </a:rPr>
+                  <a:t>k </a:t>
+                </a:r>
+                <a:r>
+                  <a:rPr lang="ko-KR" altLang="en-US" dirty="0">
+                    <a:latin typeface="+mn-ea"/>
+                  </a:rPr>
+                  <a:t>는 반드시 존재한다</a:t>
+                </a:r>
+                <a:r>
+                  <a:rPr lang="en-US" altLang="ko-KR" dirty="0">
+                    <a:latin typeface="+mn-ea"/>
+                  </a:rPr>
+                  <a:t>.</a:t>
+                </a:r>
+              </a:p>
+            </p:txBody>
+          </p:sp>
+        </mc:Choice>
+        <mc:Fallback>
+          <p:sp>
+            <p:nvSpPr>
+              <p:cNvPr id="3" name="내용 개체 틀 2">
+                <a:extLst>
+                  <a:ext uri="{FF2B5EF4-FFF2-40B4-BE49-F238E27FC236}">
+                    <a16:creationId xmlns:a16="http://schemas.microsoft.com/office/drawing/2014/main" id="{9157DAF6-4938-4D06-A46C-3399025FCF5E}"/>
+                  </a:ext>
+                </a:extLst>
+              </p:cNvPr>
+              <p:cNvSpPr>
+                <a:spLocks noGrp="1" noRot="1" noChangeAspect="1" noMove="1" noResize="1" noEditPoints="1" noAdjustHandles="1" noChangeArrowheads="1" noChangeShapeType="1" noTextEdit="1"/>
+              </p:cNvSpPr>
+              <p:nvPr>
+                <p:ph idx="1"/>
+              </p:nvPr>
+            </p:nvSpPr>
+            <p:spPr>
+              <a:blipFill>
+                <a:blip r:embed="rId2"/>
+                <a:stretch>
+                  <a:fillRect l="-1043" t="-560" r="-348"/>
+                </a:stretch>
+              </a:blipFill>
+            </p:spPr>
+            <p:txBody>
+              <a:bodyPr/>
+              <a:lstStyle/>
+              <a:p>
+                <a:r>
+                  <a:rPr lang="ko-KR" altLang="en-US">
+                    <a:noFill/>
+                  </a:rPr>
+                  <a:t> </a:t>
+                </a:r>
+              </a:p>
+            </p:txBody>
+          </p:sp>
+        </mc:Fallback>
+      </mc:AlternateContent>
+    </p:spTree>
+    <p:extLst>
+      <p:ext uri="{BB962C8B-B14F-4D97-AF65-F5344CB8AC3E}">
+        <p14:creationId xmlns:p14="http://schemas.microsoft.com/office/powerpoint/2010/main" val="474853832"/>
+      </p:ext>
+    </p:extLst>
+  </p:cSld>
+  <p:clrMapOvr>
+    <a:masterClrMapping/>
+  </p:clrMapOvr>
+</p:sld>
+</file>
+
 <file path=ppt/slides/slide19.xml><?xml version="1.0" encoding="utf-8"?>
 <p:sld xmlns:a="http://schemas.openxmlformats.org/drawingml/2006/main" xmlns:r="http://schemas.openxmlformats.org/officeDocument/2006/relationships" xmlns:p="http://schemas.openxmlformats.org/presentationml/2006/main">
   <p:cSld>
@@ -8529,25 +8517,62 @@
                   </a:lnSpc>
                 </a:pPr>
                 <a:r>
-                  <a:rPr lang="ko-KR" altLang="en-US" dirty="0"/>
-                  <a:t>이때 전체 트리에 대해서 </a:t>
-                </a:r>
-                <a:r>
-                  <a:rPr lang="en-US" altLang="ko-KR" dirty="0" err="1"/>
+                  <a:rPr lang="ko-KR" altLang="en-US" dirty="0">
+                    <a:latin typeface="+mn-ea"/>
+                  </a:rPr>
+                  <a:t>그렇다면 왼쪽 </a:t>
+                </a:r>
+                <a:r>
+                  <a:rPr lang="ko-KR" altLang="en-US" dirty="0" err="1">
+                    <a:latin typeface="+mn-ea"/>
+                  </a:rPr>
+                  <a:t>서브트리의</a:t>
+                </a:r>
+                <a:r>
+                  <a:rPr lang="ko-KR" altLang="en-US" dirty="0">
+                    <a:latin typeface="+mn-ea"/>
+                  </a:rPr>
+                  <a:t> </a:t>
+                </a:r>
+                <a:r>
+                  <a:rPr lang="en-US" altLang="ko-KR" dirty="0" err="1">
+                    <a:latin typeface="+mn-ea"/>
+                  </a:rPr>
                   <a:t>Inorder</a:t>
                 </a:r>
                 <a:r>
-                  <a:rPr lang="ko-KR" altLang="en-US" dirty="0"/>
+                  <a:rPr lang="ko-KR" altLang="en-US" dirty="0">
+                    <a:latin typeface="+mn-ea"/>
+                  </a:rPr>
                   <a:t> 함수의 방문 순서 </a:t>
                 </a:r>
                 <a14:m>
                   <m:oMath xmlns:m="http://schemas.openxmlformats.org/officeDocument/2006/math">
-                    <m:r>
-                      <a:rPr lang="en-US" altLang="ko-KR" b="0" i="1" smtClean="0">
-                        <a:latin typeface="Cambria Math" panose="02040503050406030204" pitchFamily="18" charset="0"/>
-                      </a:rPr>
-                      <m:t>𝐴</m:t>
-                    </m:r>
+                    <m:sSub>
+                      <m:sSubPr>
+                        <m:ctrlPr>
+                          <a:rPr lang="en-US" altLang="ko-KR" i="1" smtClean="0">
+                            <a:latin typeface="Cambria Math" panose="02040503050406030204" pitchFamily="18" charset="0"/>
+                          </a:rPr>
+                        </m:ctrlPr>
+                      </m:sSubPr>
+                      <m:e>
+                        <m:r>
+                          <a:rPr lang="en-US" altLang="ko-KR" b="0" i="1" smtClean="0">
+                            <a:latin typeface="Cambria Math" panose="02040503050406030204" pitchFamily="18" charset="0"/>
+                          </a:rPr>
+                          <m:t>𝐴</m:t>
+                        </m:r>
+                      </m:e>
+                      <m:sub>
+                        <m:r>
+                          <a:rPr lang="en-US" altLang="ko-KR" b="0" i="1" smtClean="0">
+                            <a:latin typeface="Cambria Math" panose="02040503050406030204" pitchFamily="18" charset="0"/>
+                          </a:rPr>
+                          <m:t>𝐿𝑒𝑓𝑡</m:t>
+                        </m:r>
+                      </m:sub>
+                    </m:sSub>
                     <m:r>
                       <a:rPr lang="en-US" altLang="ko-KR" b="0" i="1" smtClean="0">
                         <a:latin typeface="Cambria Math" panose="02040503050406030204" pitchFamily="18" charset="0"/>
@@ -8624,39 +8649,18 @@
                       </a:rPr>
                       <m:t>∈</m:t>
                     </m:r>
-                    <m:d>
-                      <m:dPr>
-                        <m:begChr m:val="["/>
-                        <m:endChr m:val="]"/>
-                        <m:ctrlPr>
-                          <a:rPr lang="en-US" altLang="ko-KR" b="0" i="1" smtClean="0">
-                            <a:latin typeface="Cambria Math" panose="02040503050406030204" pitchFamily="18" charset="0"/>
-                            <a:ea typeface="Cambria Math" panose="02040503050406030204" pitchFamily="18" charset="0"/>
-                          </a:rPr>
-                        </m:ctrlPr>
-                      </m:dPr>
-                      <m:e>
-                        <m:r>
-                          <a:rPr lang="en-US" altLang="ko-KR" b="0" i="1" smtClean="0">
-                            <a:latin typeface="Cambria Math" panose="02040503050406030204" pitchFamily="18" charset="0"/>
-                            <a:ea typeface="Cambria Math" panose="02040503050406030204" pitchFamily="18" charset="0"/>
-                          </a:rPr>
-                          <m:t>1,</m:t>
-                        </m:r>
-                        <m:r>
-                          <a:rPr lang="en-US" altLang="ko-KR" b="0" i="1" smtClean="0">
-                            <a:latin typeface="Cambria Math" panose="02040503050406030204" pitchFamily="18" charset="0"/>
-                            <a:ea typeface="Cambria Math" panose="02040503050406030204" pitchFamily="18" charset="0"/>
-                          </a:rPr>
-                          <m:t>𝑛</m:t>
-                        </m:r>
-                      </m:e>
-                    </m:d>
                     <m:r>
                       <a:rPr lang="en-US" altLang="ko-KR" b="0" i="1" smtClean="0">
                         <a:latin typeface="Cambria Math" panose="02040503050406030204" pitchFamily="18" charset="0"/>
                         <a:ea typeface="Cambria Math" panose="02040503050406030204" pitchFamily="18" charset="0"/>
                       </a:rPr>
+                      <m:t>𝐴</m:t>
+                    </m:r>
+                    <m:r>
+                      <a:rPr lang="en-US" altLang="ko-KR" b="0" i="1" smtClean="0">
+                        <a:latin typeface="Cambria Math" panose="02040503050406030204" pitchFamily="18" charset="0"/>
+                        <a:ea typeface="Cambria Math" panose="02040503050406030204" pitchFamily="18" charset="0"/>
+                      </a:rPr>
                       <m:t>, 1≤</m:t>
                     </m:r>
                     <m:r>
@@ -8671,53 +8675,143 @@
                         <a:latin typeface="Cambria Math" panose="02040503050406030204" pitchFamily="18" charset="0"/>
                         <a:ea typeface="Cambria Math" panose="02040503050406030204" pitchFamily="18" charset="0"/>
                       </a:rPr>
-                      <m:t>≤</m:t>
+                      <m:t>&lt;</m:t>
                     </m:r>
                     <m:r>
                       <a:rPr lang="en-US" altLang="ko-KR" b="0" i="1" smtClean="0">
                         <a:latin typeface="Cambria Math" panose="02040503050406030204" pitchFamily="18" charset="0"/>
                         <a:ea typeface="Cambria Math" panose="02040503050406030204" pitchFamily="18" charset="0"/>
                       </a:rPr>
-                      <m:t>𝑛</m:t>
+                      <m:t>𝑘</m:t>
                     </m:r>
                     <m:r>
                       <a:rPr lang="en-US" altLang="ko-KR" b="0" i="1" smtClean="0">
                         <a:latin typeface="Cambria Math" panose="02040503050406030204" pitchFamily="18" charset="0"/>
                         <a:ea typeface="Cambria Math" panose="02040503050406030204" pitchFamily="18" charset="0"/>
                       </a:rPr>
-                      <m:t>},</m:t>
+                      <m:t>} </m:t>
                     </m:r>
                   </m:oMath>
                 </a14:m>
-                <a:r>
-                  <a:rPr lang="en-US" altLang="ko-KR" b="0" dirty="0">
-                    <a:ea typeface="Cambria Math" panose="02040503050406030204" pitchFamily="18" charset="0"/>
-                  </a:rPr>
-                  <a:t> </a:t>
-                </a:r>
-                <a:r>
-                  <a:rPr lang="en-US" altLang="ko-KR" b="0" dirty="0" err="1">
-                    <a:ea typeface="Cambria Math" panose="02040503050406030204" pitchFamily="18" charset="0"/>
-                  </a:rPr>
-                  <a:t>Postorder</a:t>
-                </a:r>
                 <a:r>
                   <a:rPr lang="ko-KR" altLang="en-US" dirty="0">
                     <a:latin typeface="+mn-ea"/>
                   </a:rPr>
-                  <a:t>함수의 방문 순서 </a:t>
+                  <a:t>이다</a:t>
+                </a:r>
+                <a:r>
+                  <a:rPr lang="en-US" altLang="ko-KR" dirty="0">
+                    <a:latin typeface="+mn-ea"/>
+                  </a:rPr>
+                  <a:t>.</a:t>
+                </a:r>
+              </a:p>
+              <a:p>
+                <a:pPr>
+                  <a:lnSpc>
+                    <a:spcPct val="120000"/>
+                  </a:lnSpc>
+                </a:pPr>
+                <a:r>
+                  <a:rPr lang="ko-KR" altLang="en-US" dirty="0">
+                    <a:latin typeface="+mn-ea"/>
+                  </a:rPr>
+                  <a:t>같은 트리에 대해서 </a:t>
+                </a:r>
+                <a:r>
+                  <a:rPr lang="en-US" altLang="ko-KR" dirty="0" err="1">
+                    <a:latin typeface="+mn-ea"/>
+                  </a:rPr>
+                  <a:t>Inorder</a:t>
+                </a:r>
+                <a:r>
+                  <a:rPr lang="ko-KR" altLang="en-US" dirty="0">
+                    <a:latin typeface="+mn-ea"/>
+                  </a:rPr>
+                  <a:t>로 방문한 정점의 수와 </a:t>
+                </a:r>
+                <a:r>
+                  <a:rPr lang="en-US" altLang="ko-KR" dirty="0" err="1">
+                    <a:latin typeface="+mn-ea"/>
+                  </a:rPr>
+                  <a:t>Postorder</a:t>
+                </a:r>
+                <a:r>
+                  <a:rPr lang="ko-KR" altLang="en-US" dirty="0">
+                    <a:latin typeface="+mn-ea"/>
+                  </a:rPr>
+                  <a:t>로 방문한 정점의 수는 같다</a:t>
+                </a:r>
+                <a:r>
+                  <a:rPr lang="en-US" altLang="ko-KR" dirty="0">
+                    <a:latin typeface="+mn-ea"/>
+                  </a:rPr>
+                  <a:t>. </a:t>
+                </a:r>
+              </a:p>
+              <a:p>
+                <a:pPr>
+                  <a:lnSpc>
+                    <a:spcPct val="120000"/>
+                  </a:lnSpc>
+                </a:pPr>
+                <a:r>
+                  <a:rPr lang="ko-KR" altLang="en-US" dirty="0">
+                    <a:latin typeface="+mn-ea"/>
+                  </a:rPr>
+                  <a:t>따라서 왼쪽 </a:t>
+                </a:r>
+                <a:r>
+                  <a:rPr lang="ko-KR" altLang="en-US" dirty="0" err="1">
+                    <a:latin typeface="+mn-ea"/>
+                  </a:rPr>
+                  <a:t>서브트리의</a:t>
+                </a:r>
+                <a:r>
+                  <a:rPr lang="ko-KR" altLang="en-US" dirty="0">
+                    <a:latin typeface="+mn-ea"/>
+                  </a:rPr>
+                  <a:t> </a:t>
+                </a:r>
+                <a:r>
+                  <a:rPr lang="en-US" altLang="ko-KR" dirty="0" err="1">
+                    <a:latin typeface="+mn-ea"/>
+                  </a:rPr>
+                  <a:t>Postorder</a:t>
+                </a:r>
+                <a:r>
+                  <a:rPr lang="ko-KR" altLang="en-US" dirty="0">
+                    <a:latin typeface="+mn-ea"/>
+                  </a:rPr>
+                  <a:t> 함수의 방문 순서 </a:t>
                 </a:r>
                 <a14:m>
                   <m:oMath xmlns:m="http://schemas.openxmlformats.org/officeDocument/2006/math">
-                    <m:r>
-                      <m:rPr>
-                        <m:sty m:val="p"/>
-                      </m:rPr>
-                      <a:rPr lang="en-US" altLang="ko-KR" b="0" i="0" smtClean="0">
-                        <a:latin typeface="Cambria Math" panose="02040503050406030204" pitchFamily="18" charset="0"/>
-                      </a:rPr>
-                      <m:t>B</m:t>
-                    </m:r>
+                    <m:sSub>
+                      <m:sSubPr>
+                        <m:ctrlPr>
+                          <a:rPr lang="en-US" altLang="ko-KR" i="1" smtClean="0">
+                            <a:latin typeface="Cambria Math" panose="02040503050406030204" pitchFamily="18" charset="0"/>
+                          </a:rPr>
+                        </m:ctrlPr>
+                      </m:sSubPr>
+                      <m:e>
+                        <m:r>
+                          <a:rPr lang="en-US" altLang="ko-KR" b="0" i="1" smtClean="0">
+                            <a:latin typeface="Cambria Math" panose="02040503050406030204" pitchFamily="18" charset="0"/>
+                          </a:rPr>
+                          <m:t>𝐵</m:t>
+                        </m:r>
+                      </m:e>
+                      <m:sub>
+                        <m:r>
+                          <a:rPr lang="en-US" altLang="ko-KR" b="0" i="1" smtClean="0">
+                            <a:latin typeface="Cambria Math" panose="02040503050406030204" pitchFamily="18" charset="0"/>
+                          </a:rPr>
+                          <m:t>𝐿𝑒𝑓𝑡</m:t>
+                        </m:r>
+                      </m:sub>
+                    </m:sSub>
                     <m:r>
                       <a:rPr lang="en-US" altLang="ko-KR" b="0" i="1" smtClean="0">
                         <a:latin typeface="Cambria Math" panose="02040503050406030204" pitchFamily="18" charset="0"/>
@@ -8794,39 +8888,18 @@
                       </a:rPr>
                       <m:t>∈</m:t>
                     </m:r>
-                    <m:d>
-                      <m:dPr>
-                        <m:begChr m:val="["/>
-                        <m:endChr m:val="]"/>
-                        <m:ctrlPr>
-                          <a:rPr lang="en-US" altLang="ko-KR" b="0" i="1" smtClean="0">
-                            <a:latin typeface="Cambria Math" panose="02040503050406030204" pitchFamily="18" charset="0"/>
-                            <a:ea typeface="Cambria Math" panose="02040503050406030204" pitchFamily="18" charset="0"/>
-                          </a:rPr>
-                        </m:ctrlPr>
-                      </m:dPr>
-                      <m:e>
-                        <m:r>
-                          <a:rPr lang="en-US" altLang="ko-KR" b="0" i="1" smtClean="0">
-                            <a:latin typeface="Cambria Math" panose="02040503050406030204" pitchFamily="18" charset="0"/>
-                            <a:ea typeface="Cambria Math" panose="02040503050406030204" pitchFamily="18" charset="0"/>
-                          </a:rPr>
-                          <m:t>1,</m:t>
-                        </m:r>
-                        <m:r>
-                          <a:rPr lang="en-US" altLang="ko-KR" b="0" i="1" smtClean="0">
-                            <a:latin typeface="Cambria Math" panose="02040503050406030204" pitchFamily="18" charset="0"/>
-                            <a:ea typeface="Cambria Math" panose="02040503050406030204" pitchFamily="18" charset="0"/>
-                          </a:rPr>
-                          <m:t>𝑛</m:t>
-                        </m:r>
-                      </m:e>
-                    </m:d>
                     <m:r>
                       <a:rPr lang="en-US" altLang="ko-KR" b="0" i="1" smtClean="0">
                         <a:latin typeface="Cambria Math" panose="02040503050406030204" pitchFamily="18" charset="0"/>
                         <a:ea typeface="Cambria Math" panose="02040503050406030204" pitchFamily="18" charset="0"/>
                       </a:rPr>
+                      <m:t>𝐵</m:t>
+                    </m:r>
+                    <m:r>
+                      <a:rPr lang="en-US" altLang="ko-KR" b="0" i="1" smtClean="0">
+                        <a:latin typeface="Cambria Math" panose="02040503050406030204" pitchFamily="18" charset="0"/>
+                        <a:ea typeface="Cambria Math" panose="02040503050406030204" pitchFamily="18" charset="0"/>
+                      </a:rPr>
                       <m:t>, 1≤</m:t>
                     </m:r>
                     <m:r>
@@ -8841,217 +8914,39 @@
                         <a:latin typeface="Cambria Math" panose="02040503050406030204" pitchFamily="18" charset="0"/>
                         <a:ea typeface="Cambria Math" panose="02040503050406030204" pitchFamily="18" charset="0"/>
                       </a:rPr>
-                      <m:t>≤</m:t>
+                      <m:t>&lt;</m:t>
                     </m:r>
                     <m:r>
                       <a:rPr lang="en-US" altLang="ko-KR" b="0" i="1" smtClean="0">
                         <a:latin typeface="Cambria Math" panose="02040503050406030204" pitchFamily="18" charset="0"/>
                         <a:ea typeface="Cambria Math" panose="02040503050406030204" pitchFamily="18" charset="0"/>
                       </a:rPr>
-                      <m:t>𝑛</m:t>
+                      <m:t>𝑘</m:t>
                     </m:r>
                     <m:r>
                       <a:rPr lang="en-US" altLang="ko-KR" b="0" i="1" smtClean="0">
                         <a:latin typeface="Cambria Math" panose="02040503050406030204" pitchFamily="18" charset="0"/>
                         <a:ea typeface="Cambria Math" panose="02040503050406030204" pitchFamily="18" charset="0"/>
                       </a:rPr>
-                      <m:t>}</m:t>
+                      <m:t>} </m:t>
                     </m:r>
                   </m:oMath>
                 </a14:m>
-                <a:r>
-                  <a:rPr lang="en-US" altLang="ko-KR" dirty="0">
-                    <a:latin typeface="+mn-ea"/>
-                  </a:rPr>
-                  <a:t> </a:t>
-                </a:r>
                 <a:r>
                   <a:rPr lang="ko-KR" altLang="en-US" dirty="0">
                     <a:latin typeface="+mn-ea"/>
                   </a:rPr>
-                  <a:t>하자</a:t>
-                </a:r>
-                <a:r>
-                  <a:rPr lang="en-US" altLang="ko-KR" dirty="0">
+                  <a:t>이다</a:t>
+                </a:r>
+                <a:r>
+                  <a:rPr lang="en-US" altLang="ko-KR">
                     <a:latin typeface="+mn-ea"/>
                   </a:rPr>
-                  <a:t>.</a:t>
-                </a:r>
-              </a:p>
-              <a:p>
-                <a:pPr>
-                  <a:lnSpc>
-                    <a:spcPct val="120000"/>
-                  </a:lnSpc>
-                </a:pPr>
-                <a:r>
-                  <a:rPr lang="ko-KR" altLang="en-US" dirty="0">
-                    <a:latin typeface="+mn-ea"/>
-                  </a:rPr>
-                  <a:t>이때 </a:t>
-                </a:r>
-                <a14:m>
-                  <m:oMath xmlns:m="http://schemas.openxmlformats.org/officeDocument/2006/math">
-                    <m:sSub>
-                      <m:sSubPr>
-                        <m:ctrlPr>
-                          <a:rPr lang="en-US" altLang="ko-KR" i="1" smtClean="0">
-                            <a:latin typeface="Cambria Math" panose="02040503050406030204" pitchFamily="18" charset="0"/>
-                          </a:rPr>
-                        </m:ctrlPr>
-                      </m:sSubPr>
-                      <m:e>
-                        <m:r>
-                          <a:rPr lang="en-US" altLang="ko-KR" b="0" i="1" smtClean="0">
-                            <a:latin typeface="Cambria Math" panose="02040503050406030204" pitchFamily="18" charset="0"/>
-                          </a:rPr>
-                          <m:t>𝑏</m:t>
-                        </m:r>
-                      </m:e>
-                      <m:sub>
-                        <m:r>
-                          <a:rPr lang="en-US" altLang="ko-KR" b="0" i="1" smtClean="0">
-                            <a:latin typeface="Cambria Math" panose="02040503050406030204" pitchFamily="18" charset="0"/>
-                          </a:rPr>
-                          <m:t>𝑛</m:t>
-                        </m:r>
-                      </m:sub>
-                    </m:sSub>
-                    <m:r>
-                      <a:rPr lang="en-US" altLang="ko-KR" b="0" i="1" smtClean="0">
-                        <a:latin typeface="Cambria Math" panose="02040503050406030204" pitchFamily="18" charset="0"/>
-                      </a:rPr>
-                      <m:t> </m:t>
-                    </m:r>
-                  </m:oMath>
-                </a14:m>
-                <a:r>
-                  <a:rPr lang="ko-KR" altLang="en-US" dirty="0">
-                    <a:latin typeface="+mn-ea"/>
-                  </a:rPr>
-                  <a:t>은 최초의 전체 트리의 루트 정점이 된다</a:t>
-                </a:r>
-                <a:r>
-                  <a:rPr lang="en-US" altLang="ko-KR" dirty="0">
-                    <a:latin typeface="+mn-ea"/>
-                  </a:rPr>
-                  <a:t>.</a:t>
-                </a:r>
-              </a:p>
-              <a:p>
-                <a:pPr>
-                  <a:lnSpc>
-                    <a:spcPct val="120000"/>
-                  </a:lnSpc>
-                </a:pPr>
-                <a:r>
-                  <a:rPr lang="ko-KR" altLang="en-US" dirty="0">
-                    <a:latin typeface="+mn-ea"/>
-                  </a:rPr>
-                  <a:t>이 때 </a:t>
-                </a:r>
-                <a14:m>
-                  <m:oMath xmlns:m="http://schemas.openxmlformats.org/officeDocument/2006/math">
-                    <m:sSub>
-                      <m:sSubPr>
-                        <m:ctrlPr>
-                          <a:rPr lang="en-US" altLang="ko-KR" i="1" smtClean="0">
-                            <a:latin typeface="Cambria Math" panose="02040503050406030204" pitchFamily="18" charset="0"/>
-                          </a:rPr>
-                        </m:ctrlPr>
-                      </m:sSubPr>
-                      <m:e>
-                        <m:r>
-                          <a:rPr lang="en-US" altLang="ko-KR" b="0" i="1" smtClean="0">
-                            <a:latin typeface="Cambria Math" panose="02040503050406030204" pitchFamily="18" charset="0"/>
-                          </a:rPr>
-                          <m:t>𝑏</m:t>
-                        </m:r>
-                      </m:e>
-                      <m:sub>
-                        <m:r>
-                          <a:rPr lang="en-US" altLang="ko-KR" b="0" i="1" smtClean="0">
-                            <a:latin typeface="Cambria Math" panose="02040503050406030204" pitchFamily="18" charset="0"/>
-                          </a:rPr>
-                          <m:t>𝑛</m:t>
-                        </m:r>
-                      </m:sub>
-                    </m:sSub>
-                    <m:r>
-                      <a:rPr lang="en-US" altLang="ko-KR" b="0" i="1" smtClean="0">
-                        <a:latin typeface="Cambria Math" panose="02040503050406030204" pitchFamily="18" charset="0"/>
-                      </a:rPr>
-                      <m:t>= </m:t>
-                    </m:r>
-                    <m:sSub>
-                      <m:sSubPr>
-                        <m:ctrlPr>
-                          <a:rPr lang="en-US" altLang="ko-KR" b="0" i="1" smtClean="0">
-                            <a:latin typeface="Cambria Math" panose="02040503050406030204" pitchFamily="18" charset="0"/>
-                          </a:rPr>
-                        </m:ctrlPr>
-                      </m:sSubPr>
-                      <m:e>
-                        <m:r>
-                          <a:rPr lang="en-US" altLang="ko-KR" b="0" i="1" smtClean="0">
-                            <a:latin typeface="Cambria Math" panose="02040503050406030204" pitchFamily="18" charset="0"/>
-                          </a:rPr>
-                          <m:t>𝑎</m:t>
-                        </m:r>
-                      </m:e>
-                      <m:sub>
-                        <m:r>
-                          <a:rPr lang="en-US" altLang="ko-KR" b="0" i="1" smtClean="0">
-                            <a:latin typeface="Cambria Math" panose="02040503050406030204" pitchFamily="18" charset="0"/>
-                          </a:rPr>
-                          <m:t>𝑘</m:t>
-                        </m:r>
-                      </m:sub>
-                    </m:sSub>
-                    <m:r>
-                      <a:rPr lang="en-US" altLang="ko-KR" b="0" i="1" smtClean="0">
-                        <a:latin typeface="Cambria Math" panose="02040503050406030204" pitchFamily="18" charset="0"/>
-                      </a:rPr>
-                      <m:t> </m:t>
-                    </m:r>
-                    <m:r>
-                      <a:rPr lang="ko-KR" altLang="en-US" i="1">
-                        <a:latin typeface="Cambria Math" panose="02040503050406030204" pitchFamily="18" charset="0"/>
-                      </a:rPr>
-                      <m:t>를</m:t>
-                    </m:r>
-                  </m:oMath>
-                </a14:m>
-                <a:r>
-                  <a:rPr lang="en-US" altLang="ko-KR" dirty="0">
-                    <a:latin typeface="+mn-ea"/>
-                  </a:rPr>
-                  <a:t> </a:t>
-                </a:r>
-                <a:r>
-                  <a:rPr lang="ko-KR" altLang="en-US" dirty="0">
-                    <a:latin typeface="+mn-ea"/>
-                  </a:rPr>
-                  <a:t>만족하는 </a:t>
-                </a:r>
-                <a:r>
-                  <a:rPr lang="en-US" altLang="ko-KR" dirty="0">
-                    <a:latin typeface="+mn-ea"/>
-                  </a:rPr>
-                  <a:t>k </a:t>
-                </a:r>
-                <a:r>
-                  <a:rPr lang="ko-KR" altLang="en-US" dirty="0">
-                    <a:latin typeface="+mn-ea"/>
-                  </a:rPr>
-                  <a:t>는 반드시 존재한다</a:t>
-                </a:r>
-                <a:r>
-                  <a:rPr lang="en-US" altLang="ko-KR" dirty="0">
-                    <a:latin typeface="+mn-ea"/>
-                  </a:rPr>
-                  <a:t>.</a:t>
-                </a:r>
+                  <a:t>. </a:t>
+                </a:r>
+                <a:endParaRPr lang="en-US" altLang="ko-KR" dirty="0">
+                  <a:latin typeface="+mn-ea"/>
+                </a:endParaRPr>
               </a:p>
             </p:txBody>
           </p:sp>
@@ -9077,7 +8972,7 @@
               <a:blipFill>
                 <a:blip r:embed="rId2"/>
                 <a:stretch>
-                  <a:fillRect l="-1043" t="-560"/>
+                  <a:fillRect l="-1043" r="-58"/>
                 </a:stretch>
               </a:blipFill>
             </p:spPr>
@@ -9099,7 +8994,7 @@
     </p:spTree>
     <p:extLst>
       <p:ext uri="{BB962C8B-B14F-4D97-AF65-F5344CB8AC3E}">
-        <p14:creationId xmlns:p14="http://schemas.microsoft.com/office/powerpoint/2010/main" val="2276760773"/>
+        <p14:creationId xmlns:p14="http://schemas.microsoft.com/office/powerpoint/2010/main" val="372355268"/>
       </p:ext>
     </p:extLst>
   </p:cSld>
@@ -9626,1511 +9521,6 @@
                   </a:lnSpc>
                 </a:pPr>
                 <a:r>
-                  <a:rPr lang="ko-KR" altLang="en-US" dirty="0"/>
-                  <a:t>이때 트리에 대해서 </a:t>
-                </a:r>
-                <a:r>
-                  <a:rPr lang="en-US" altLang="ko-KR" dirty="0" err="1"/>
-                  <a:t>Inorder</a:t>
-                </a:r>
-                <a:r>
-                  <a:rPr lang="ko-KR" altLang="en-US" dirty="0"/>
-                  <a:t> 함수의 방문 순서 </a:t>
-                </a:r>
-                <a14:m>
-                  <m:oMath xmlns:m="http://schemas.openxmlformats.org/officeDocument/2006/math">
-                    <m:r>
-                      <a:rPr lang="en-US" altLang="ko-KR" b="0" i="1" smtClean="0">
-                        <a:latin typeface="Cambria Math" panose="02040503050406030204" pitchFamily="18" charset="0"/>
-                      </a:rPr>
-                      <m:t>𝐴</m:t>
-                    </m:r>
-                    <m:r>
-                      <a:rPr lang="en-US" altLang="ko-KR" b="0" i="1" smtClean="0">
-                        <a:latin typeface="Cambria Math" panose="02040503050406030204" pitchFamily="18" charset="0"/>
-                      </a:rPr>
-                      <m:t>=</m:t>
-                    </m:r>
-                    <m:d>
-                      <m:dPr>
-                        <m:begChr m:val="{"/>
-                        <m:endChr m:val="|"/>
-                        <m:ctrlPr>
-                          <a:rPr lang="en-US" altLang="ko-KR" b="0" i="1" smtClean="0">
-                            <a:latin typeface="Cambria Math" panose="02040503050406030204" pitchFamily="18" charset="0"/>
-                          </a:rPr>
-                        </m:ctrlPr>
-                      </m:dPr>
-                      <m:e>
-                        <m:sSub>
-                          <m:sSubPr>
-                            <m:ctrlPr>
-                              <a:rPr lang="en-US" altLang="ko-KR" b="0" i="1" smtClean="0">
-                                <a:latin typeface="Cambria Math" panose="02040503050406030204" pitchFamily="18" charset="0"/>
-                              </a:rPr>
-                            </m:ctrlPr>
-                          </m:sSubPr>
-                          <m:e>
-                            <m:r>
-                              <a:rPr lang="en-US" altLang="ko-KR" b="0" i="1" smtClean="0">
-                                <a:latin typeface="Cambria Math" panose="02040503050406030204" pitchFamily="18" charset="0"/>
-                              </a:rPr>
-                              <m:t>𝑎</m:t>
-                            </m:r>
-                          </m:e>
-                          <m:sub>
-                            <m:r>
-                              <a:rPr lang="en-US" altLang="ko-KR" b="0" i="1" smtClean="0">
-                                <a:latin typeface="Cambria Math" panose="02040503050406030204" pitchFamily="18" charset="0"/>
-                              </a:rPr>
-                              <m:t>𝑖</m:t>
-                            </m:r>
-                          </m:sub>
-                        </m:sSub>
-                      </m:e>
-                    </m:d>
-                    <m:sSub>
-                      <m:sSubPr>
-                        <m:ctrlPr>
-                          <a:rPr lang="en-US" altLang="ko-KR" b="0" i="1" smtClean="0">
-                            <a:latin typeface="Cambria Math" panose="02040503050406030204" pitchFamily="18" charset="0"/>
-                          </a:rPr>
-                        </m:ctrlPr>
-                      </m:sSubPr>
-                      <m:e>
-                        <m:r>
-                          <a:rPr lang="en-US" altLang="ko-KR" b="0" i="1" smtClean="0">
-                            <a:latin typeface="Cambria Math" panose="02040503050406030204" pitchFamily="18" charset="0"/>
-                          </a:rPr>
-                          <m:t>𝑎</m:t>
-                        </m:r>
-                      </m:e>
-                      <m:sub>
-                        <m:r>
-                          <a:rPr lang="en-US" altLang="ko-KR" b="0" i="1" smtClean="0">
-                            <a:latin typeface="Cambria Math" panose="02040503050406030204" pitchFamily="18" charset="0"/>
-                          </a:rPr>
-                          <m:t>𝑖</m:t>
-                        </m:r>
-                      </m:sub>
-                    </m:sSub>
-                    <m:r>
-                      <a:rPr lang="en-US" altLang="ko-KR" b="0" i="1" smtClean="0">
-                        <a:latin typeface="Cambria Math" panose="02040503050406030204" pitchFamily="18" charset="0"/>
-                        <a:ea typeface="Cambria Math" panose="02040503050406030204" pitchFamily="18" charset="0"/>
-                      </a:rPr>
-                      <m:t>∈</m:t>
-                    </m:r>
-                    <m:d>
-                      <m:dPr>
-                        <m:begChr m:val="["/>
-                        <m:endChr m:val="]"/>
-                        <m:ctrlPr>
-                          <a:rPr lang="en-US" altLang="ko-KR" b="0" i="1" smtClean="0">
-                            <a:latin typeface="Cambria Math" panose="02040503050406030204" pitchFamily="18" charset="0"/>
-                            <a:ea typeface="Cambria Math" panose="02040503050406030204" pitchFamily="18" charset="0"/>
-                          </a:rPr>
-                        </m:ctrlPr>
-                      </m:dPr>
-                      <m:e>
-                        <m:r>
-                          <a:rPr lang="en-US" altLang="ko-KR" b="0" i="1" smtClean="0">
-                            <a:latin typeface="Cambria Math" panose="02040503050406030204" pitchFamily="18" charset="0"/>
-                            <a:ea typeface="Cambria Math" panose="02040503050406030204" pitchFamily="18" charset="0"/>
-                          </a:rPr>
-                          <m:t>1,</m:t>
-                        </m:r>
-                        <m:r>
-                          <a:rPr lang="en-US" altLang="ko-KR" b="0" i="1" smtClean="0">
-                            <a:latin typeface="Cambria Math" panose="02040503050406030204" pitchFamily="18" charset="0"/>
-                            <a:ea typeface="Cambria Math" panose="02040503050406030204" pitchFamily="18" charset="0"/>
-                          </a:rPr>
-                          <m:t>𝑛</m:t>
-                        </m:r>
-                      </m:e>
-                    </m:d>
-                    <m:r>
-                      <a:rPr lang="en-US" altLang="ko-KR" b="0" i="1" smtClean="0">
-                        <a:latin typeface="Cambria Math" panose="02040503050406030204" pitchFamily="18" charset="0"/>
-                        <a:ea typeface="Cambria Math" panose="02040503050406030204" pitchFamily="18" charset="0"/>
-                      </a:rPr>
-                      <m:t>, 1≤</m:t>
-                    </m:r>
-                    <m:r>
-                      <a:rPr lang="en-US" altLang="ko-KR" b="0" i="1" smtClean="0">
-                        <a:latin typeface="Cambria Math" panose="02040503050406030204" pitchFamily="18" charset="0"/>
-                        <a:ea typeface="Cambria Math" panose="02040503050406030204" pitchFamily="18" charset="0"/>
-                      </a:rPr>
-                      <m:t>𝑖</m:t>
-                    </m:r>
-                    <m:r>
-                      <a:rPr lang="en-US" altLang="ko-KR" b="0" i="1" smtClean="0">
-                        <a:latin typeface="Cambria Math" panose="02040503050406030204" pitchFamily="18" charset="0"/>
-                        <a:ea typeface="Cambria Math" panose="02040503050406030204" pitchFamily="18" charset="0"/>
-                      </a:rPr>
-                      <m:t>≤</m:t>
-                    </m:r>
-                    <m:r>
-                      <a:rPr lang="en-US" altLang="ko-KR" b="0" i="1" smtClean="0">
-                        <a:latin typeface="Cambria Math" panose="02040503050406030204" pitchFamily="18" charset="0"/>
-                        <a:ea typeface="Cambria Math" panose="02040503050406030204" pitchFamily="18" charset="0"/>
-                      </a:rPr>
-                      <m:t>𝑛</m:t>
-                    </m:r>
-                    <m:r>
-                      <a:rPr lang="en-US" altLang="ko-KR" b="0" i="1" smtClean="0">
-                        <a:latin typeface="Cambria Math" panose="02040503050406030204" pitchFamily="18" charset="0"/>
-                        <a:ea typeface="Cambria Math" panose="02040503050406030204" pitchFamily="18" charset="0"/>
-                      </a:rPr>
-                      <m:t>, </m:t>
-                    </m:r>
-                    <m:sSub>
-                      <m:sSubPr>
-                        <m:ctrlPr>
-                          <a:rPr lang="en-US" altLang="ko-KR" b="0" i="1" smtClean="0">
-                            <a:latin typeface="Cambria Math" panose="02040503050406030204" pitchFamily="18" charset="0"/>
-                            <a:ea typeface="Cambria Math" panose="02040503050406030204" pitchFamily="18" charset="0"/>
-                          </a:rPr>
-                        </m:ctrlPr>
-                      </m:sSubPr>
-                      <m:e>
-                        <m:r>
-                          <a:rPr lang="en-US" altLang="ko-KR" b="0" i="1" smtClean="0">
-                            <a:latin typeface="Cambria Math" panose="02040503050406030204" pitchFamily="18" charset="0"/>
-                            <a:ea typeface="Cambria Math" panose="02040503050406030204" pitchFamily="18" charset="0"/>
-                          </a:rPr>
-                          <m:t>𝑎</m:t>
-                        </m:r>
-                      </m:e>
-                      <m:sub>
-                        <m:r>
-                          <a:rPr lang="en-US" altLang="ko-KR" b="0" i="1" smtClean="0">
-                            <a:latin typeface="Cambria Math" panose="02040503050406030204" pitchFamily="18" charset="0"/>
-                            <a:ea typeface="Cambria Math" panose="02040503050406030204" pitchFamily="18" charset="0"/>
-                          </a:rPr>
-                          <m:t>𝑖</m:t>
-                        </m:r>
-                      </m:sub>
-                    </m:sSub>
-                    <m:r>
-                      <a:rPr lang="en-US" altLang="ko-KR" b="0" i="1" smtClean="0">
-                        <a:latin typeface="Cambria Math" panose="02040503050406030204" pitchFamily="18" charset="0"/>
-                        <a:ea typeface="Cambria Math" panose="02040503050406030204" pitchFamily="18" charset="0"/>
-                      </a:rPr>
-                      <m:t>≠</m:t>
-                    </m:r>
-                    <m:sSub>
-                      <m:sSubPr>
-                        <m:ctrlPr>
-                          <a:rPr lang="en-US" altLang="ko-KR" b="0" i="1" smtClean="0">
-                            <a:latin typeface="Cambria Math" panose="02040503050406030204" pitchFamily="18" charset="0"/>
-                            <a:ea typeface="Cambria Math" panose="02040503050406030204" pitchFamily="18" charset="0"/>
-                          </a:rPr>
-                        </m:ctrlPr>
-                      </m:sSubPr>
-                      <m:e>
-                        <m:r>
-                          <a:rPr lang="en-US" altLang="ko-KR" b="0" i="1" smtClean="0">
-                            <a:latin typeface="Cambria Math" panose="02040503050406030204" pitchFamily="18" charset="0"/>
-                            <a:ea typeface="Cambria Math" panose="02040503050406030204" pitchFamily="18" charset="0"/>
-                          </a:rPr>
-                          <m:t>𝑎</m:t>
-                        </m:r>
-                      </m:e>
-                      <m:sub>
-                        <m:r>
-                          <a:rPr lang="en-US" altLang="ko-KR" b="0" i="1" smtClean="0">
-                            <a:latin typeface="Cambria Math" panose="02040503050406030204" pitchFamily="18" charset="0"/>
-                            <a:ea typeface="Cambria Math" panose="02040503050406030204" pitchFamily="18" charset="0"/>
-                          </a:rPr>
-                          <m:t>𝑗</m:t>
-                        </m:r>
-                      </m:sub>
-                    </m:sSub>
-                    <m:r>
-                      <a:rPr lang="en-US" altLang="ko-KR" b="0" i="1" smtClean="0">
-                        <a:latin typeface="Cambria Math" panose="02040503050406030204" pitchFamily="18" charset="0"/>
-                        <a:ea typeface="Cambria Math" panose="02040503050406030204" pitchFamily="18" charset="0"/>
-                      </a:rPr>
-                      <m:t>(1≤</m:t>
-                    </m:r>
-                    <m:r>
-                      <a:rPr lang="en-US" altLang="ko-KR" b="0" i="1" smtClean="0">
-                        <a:latin typeface="Cambria Math" panose="02040503050406030204" pitchFamily="18" charset="0"/>
-                        <a:ea typeface="Cambria Math" panose="02040503050406030204" pitchFamily="18" charset="0"/>
-                      </a:rPr>
-                      <m:t>𝑖</m:t>
-                    </m:r>
-                    <m:r>
-                      <a:rPr lang="en-US" altLang="ko-KR" b="0" i="1" smtClean="0">
-                        <a:latin typeface="Cambria Math" panose="02040503050406030204" pitchFamily="18" charset="0"/>
-                        <a:ea typeface="Cambria Math" panose="02040503050406030204" pitchFamily="18" charset="0"/>
-                      </a:rPr>
-                      <m:t>≤</m:t>
-                    </m:r>
-                    <m:r>
-                      <a:rPr lang="en-US" altLang="ko-KR" b="0" i="1" smtClean="0">
-                        <a:latin typeface="Cambria Math" panose="02040503050406030204" pitchFamily="18" charset="0"/>
-                        <a:ea typeface="Cambria Math" panose="02040503050406030204" pitchFamily="18" charset="0"/>
-                      </a:rPr>
-                      <m:t>𝑛</m:t>
-                    </m:r>
-                    <m:r>
-                      <a:rPr lang="en-US" altLang="ko-KR" b="0" i="1" smtClean="0">
-                        <a:latin typeface="Cambria Math" panose="02040503050406030204" pitchFamily="18" charset="0"/>
-                        <a:ea typeface="Cambria Math" panose="02040503050406030204" pitchFamily="18" charset="0"/>
-                      </a:rPr>
-                      <m:t>, 1≤</m:t>
-                    </m:r>
-                    <m:r>
-                      <a:rPr lang="en-US" altLang="ko-KR" b="0" i="1" smtClean="0">
-                        <a:latin typeface="Cambria Math" panose="02040503050406030204" pitchFamily="18" charset="0"/>
-                        <a:ea typeface="Cambria Math" panose="02040503050406030204" pitchFamily="18" charset="0"/>
-                      </a:rPr>
-                      <m:t>𝑗</m:t>
-                    </m:r>
-                    <m:r>
-                      <a:rPr lang="en-US" altLang="ko-KR" b="0" i="1" smtClean="0">
-                        <a:latin typeface="Cambria Math" panose="02040503050406030204" pitchFamily="18" charset="0"/>
-                        <a:ea typeface="Cambria Math" panose="02040503050406030204" pitchFamily="18" charset="0"/>
-                      </a:rPr>
-                      <m:t>≤</m:t>
-                    </m:r>
-                    <m:r>
-                      <a:rPr lang="en-US" altLang="ko-KR" b="0" i="1" smtClean="0">
-                        <a:latin typeface="Cambria Math" panose="02040503050406030204" pitchFamily="18" charset="0"/>
-                        <a:ea typeface="Cambria Math" panose="02040503050406030204" pitchFamily="18" charset="0"/>
-                      </a:rPr>
-                      <m:t>𝑛</m:t>
-                    </m:r>
-                    <m:r>
-                      <a:rPr lang="en-US" altLang="ko-KR" b="0" i="1" smtClean="0">
-                        <a:latin typeface="Cambria Math" panose="02040503050406030204" pitchFamily="18" charset="0"/>
-                        <a:ea typeface="Cambria Math" panose="02040503050406030204" pitchFamily="18" charset="0"/>
-                      </a:rPr>
-                      <m:t>, </m:t>
-                    </m:r>
-                    <m:r>
-                      <a:rPr lang="en-US" altLang="ko-KR" b="0" i="1" smtClean="0">
-                        <a:latin typeface="Cambria Math" panose="02040503050406030204" pitchFamily="18" charset="0"/>
-                        <a:ea typeface="Cambria Math" panose="02040503050406030204" pitchFamily="18" charset="0"/>
-                      </a:rPr>
-                      <m:t>𝑖</m:t>
-                    </m:r>
-                    <m:r>
-                      <a:rPr lang="en-US" altLang="ko-KR" b="0" i="1" smtClean="0">
-                        <a:latin typeface="Cambria Math" panose="02040503050406030204" pitchFamily="18" charset="0"/>
-                        <a:ea typeface="Cambria Math" panose="02040503050406030204" pitchFamily="18" charset="0"/>
-                      </a:rPr>
-                      <m:t>≠</m:t>
-                    </m:r>
-                    <m:r>
-                      <a:rPr lang="en-US" altLang="ko-KR" b="0" i="1" smtClean="0">
-                        <a:latin typeface="Cambria Math" panose="02040503050406030204" pitchFamily="18" charset="0"/>
-                        <a:ea typeface="Cambria Math" panose="02040503050406030204" pitchFamily="18" charset="0"/>
-                      </a:rPr>
-                      <m:t>𝑗</m:t>
-                    </m:r>
-                    <m:r>
-                      <a:rPr lang="en-US" altLang="ko-KR" b="0" i="1" smtClean="0">
-                        <a:latin typeface="Cambria Math" panose="02040503050406030204" pitchFamily="18" charset="0"/>
-                        <a:ea typeface="Cambria Math" panose="02040503050406030204" pitchFamily="18" charset="0"/>
-                      </a:rPr>
-                      <m:t>)},</m:t>
-                    </m:r>
-                  </m:oMath>
-                </a14:m>
-                <a:r>
-                  <a:rPr lang="en-US" altLang="ko-KR" b="0" dirty="0">
-                    <a:ea typeface="Cambria Math" panose="02040503050406030204" pitchFamily="18" charset="0"/>
-                  </a:rPr>
-                  <a:t> </a:t>
-                </a:r>
-                <a:r>
-                  <a:rPr lang="en-US" altLang="ko-KR" b="0" dirty="0" err="1">
-                    <a:ea typeface="Cambria Math" panose="02040503050406030204" pitchFamily="18" charset="0"/>
-                  </a:rPr>
-                  <a:t>Postorder</a:t>
-                </a:r>
-                <a:r>
-                  <a:rPr lang="ko-KR" altLang="en-US" dirty="0">
-                    <a:latin typeface="+mn-ea"/>
-                  </a:rPr>
-                  <a:t>함수의 방문 순서 </a:t>
-                </a:r>
-                <a14:m>
-                  <m:oMath xmlns:m="http://schemas.openxmlformats.org/officeDocument/2006/math">
-                    <m:r>
-                      <m:rPr>
-                        <m:sty m:val="p"/>
-                      </m:rPr>
-                      <a:rPr lang="en-US" altLang="ko-KR" b="0" i="0" smtClean="0">
-                        <a:latin typeface="Cambria Math" panose="02040503050406030204" pitchFamily="18" charset="0"/>
-                      </a:rPr>
-                      <m:t>B</m:t>
-                    </m:r>
-                    <m:r>
-                      <a:rPr lang="en-US" altLang="ko-KR" b="0" i="1" smtClean="0">
-                        <a:latin typeface="Cambria Math" panose="02040503050406030204" pitchFamily="18" charset="0"/>
-                      </a:rPr>
-                      <m:t>=</m:t>
-                    </m:r>
-                    <m:d>
-                      <m:dPr>
-                        <m:begChr m:val="{"/>
-                        <m:endChr m:val="|"/>
-                        <m:ctrlPr>
-                          <a:rPr lang="en-US" altLang="ko-KR" b="0" i="1" smtClean="0">
-                            <a:latin typeface="Cambria Math" panose="02040503050406030204" pitchFamily="18" charset="0"/>
-                          </a:rPr>
-                        </m:ctrlPr>
-                      </m:dPr>
-                      <m:e>
-                        <m:sSub>
-                          <m:sSubPr>
-                            <m:ctrlPr>
-                              <a:rPr lang="en-US" altLang="ko-KR" b="0" i="1" smtClean="0">
-                                <a:latin typeface="Cambria Math" panose="02040503050406030204" pitchFamily="18" charset="0"/>
-                              </a:rPr>
-                            </m:ctrlPr>
-                          </m:sSubPr>
-                          <m:e>
-                            <m:r>
-                              <a:rPr lang="en-US" altLang="ko-KR" b="0" i="1" smtClean="0">
-                                <a:latin typeface="Cambria Math" panose="02040503050406030204" pitchFamily="18" charset="0"/>
-                              </a:rPr>
-                              <m:t>𝑏</m:t>
-                            </m:r>
-                          </m:e>
-                          <m:sub>
-                            <m:r>
-                              <a:rPr lang="en-US" altLang="ko-KR" b="0" i="1" smtClean="0">
-                                <a:latin typeface="Cambria Math" panose="02040503050406030204" pitchFamily="18" charset="0"/>
-                              </a:rPr>
-                              <m:t>𝑖</m:t>
-                            </m:r>
-                          </m:sub>
-                        </m:sSub>
-                      </m:e>
-                    </m:d>
-                    <m:sSub>
-                      <m:sSubPr>
-                        <m:ctrlPr>
-                          <a:rPr lang="en-US" altLang="ko-KR" b="0" i="1" smtClean="0">
-                            <a:latin typeface="Cambria Math" panose="02040503050406030204" pitchFamily="18" charset="0"/>
-                          </a:rPr>
-                        </m:ctrlPr>
-                      </m:sSubPr>
-                      <m:e>
-                        <m:r>
-                          <a:rPr lang="en-US" altLang="ko-KR" b="0" i="1" smtClean="0">
-                            <a:latin typeface="Cambria Math" panose="02040503050406030204" pitchFamily="18" charset="0"/>
-                          </a:rPr>
-                          <m:t>𝑏</m:t>
-                        </m:r>
-                      </m:e>
-                      <m:sub>
-                        <m:r>
-                          <a:rPr lang="en-US" altLang="ko-KR" b="0" i="1" smtClean="0">
-                            <a:latin typeface="Cambria Math" panose="02040503050406030204" pitchFamily="18" charset="0"/>
-                          </a:rPr>
-                          <m:t>𝑖</m:t>
-                        </m:r>
-                      </m:sub>
-                    </m:sSub>
-                    <m:r>
-                      <a:rPr lang="en-US" altLang="ko-KR" b="0" i="1" smtClean="0">
-                        <a:latin typeface="Cambria Math" panose="02040503050406030204" pitchFamily="18" charset="0"/>
-                        <a:ea typeface="Cambria Math" panose="02040503050406030204" pitchFamily="18" charset="0"/>
-                      </a:rPr>
-                      <m:t>∈</m:t>
-                    </m:r>
-                    <m:d>
-                      <m:dPr>
-                        <m:begChr m:val="["/>
-                        <m:endChr m:val="]"/>
-                        <m:ctrlPr>
-                          <a:rPr lang="en-US" altLang="ko-KR" b="0" i="1" smtClean="0">
-                            <a:latin typeface="Cambria Math" panose="02040503050406030204" pitchFamily="18" charset="0"/>
-                            <a:ea typeface="Cambria Math" panose="02040503050406030204" pitchFamily="18" charset="0"/>
-                          </a:rPr>
-                        </m:ctrlPr>
-                      </m:dPr>
-                      <m:e>
-                        <m:r>
-                          <a:rPr lang="en-US" altLang="ko-KR" b="0" i="1" smtClean="0">
-                            <a:latin typeface="Cambria Math" panose="02040503050406030204" pitchFamily="18" charset="0"/>
-                            <a:ea typeface="Cambria Math" panose="02040503050406030204" pitchFamily="18" charset="0"/>
-                          </a:rPr>
-                          <m:t>1,</m:t>
-                        </m:r>
-                        <m:r>
-                          <a:rPr lang="en-US" altLang="ko-KR" b="0" i="1" smtClean="0">
-                            <a:latin typeface="Cambria Math" panose="02040503050406030204" pitchFamily="18" charset="0"/>
-                            <a:ea typeface="Cambria Math" panose="02040503050406030204" pitchFamily="18" charset="0"/>
-                          </a:rPr>
-                          <m:t>𝑛</m:t>
-                        </m:r>
-                      </m:e>
-                    </m:d>
-                    <m:r>
-                      <a:rPr lang="en-US" altLang="ko-KR" b="0" i="1" smtClean="0">
-                        <a:latin typeface="Cambria Math" panose="02040503050406030204" pitchFamily="18" charset="0"/>
-                        <a:ea typeface="Cambria Math" panose="02040503050406030204" pitchFamily="18" charset="0"/>
-                      </a:rPr>
-                      <m:t>, 1≤</m:t>
-                    </m:r>
-                    <m:r>
-                      <a:rPr lang="en-US" altLang="ko-KR" b="0" i="1" smtClean="0">
-                        <a:latin typeface="Cambria Math" panose="02040503050406030204" pitchFamily="18" charset="0"/>
-                        <a:ea typeface="Cambria Math" panose="02040503050406030204" pitchFamily="18" charset="0"/>
-                      </a:rPr>
-                      <m:t>𝑖</m:t>
-                    </m:r>
-                    <m:r>
-                      <a:rPr lang="en-US" altLang="ko-KR" b="0" i="1" smtClean="0">
-                        <a:latin typeface="Cambria Math" panose="02040503050406030204" pitchFamily="18" charset="0"/>
-                        <a:ea typeface="Cambria Math" panose="02040503050406030204" pitchFamily="18" charset="0"/>
-                      </a:rPr>
-                      <m:t>≤</m:t>
-                    </m:r>
-                    <m:r>
-                      <a:rPr lang="en-US" altLang="ko-KR" b="0" i="1" smtClean="0">
-                        <a:latin typeface="Cambria Math" panose="02040503050406030204" pitchFamily="18" charset="0"/>
-                        <a:ea typeface="Cambria Math" panose="02040503050406030204" pitchFamily="18" charset="0"/>
-                      </a:rPr>
-                      <m:t>𝑛</m:t>
-                    </m:r>
-                    <m:r>
-                      <a:rPr lang="en-US" altLang="ko-KR" b="0" i="1" smtClean="0">
-                        <a:latin typeface="Cambria Math" panose="02040503050406030204" pitchFamily="18" charset="0"/>
-                        <a:ea typeface="Cambria Math" panose="02040503050406030204" pitchFamily="18" charset="0"/>
-                      </a:rPr>
-                      <m:t>(1≤</m:t>
-                    </m:r>
-                    <m:r>
-                      <a:rPr lang="en-US" altLang="ko-KR" b="0" i="1" smtClean="0">
-                        <a:latin typeface="Cambria Math" panose="02040503050406030204" pitchFamily="18" charset="0"/>
-                        <a:ea typeface="Cambria Math" panose="02040503050406030204" pitchFamily="18" charset="0"/>
-                      </a:rPr>
-                      <m:t>𝑖</m:t>
-                    </m:r>
-                    <m:r>
-                      <a:rPr lang="en-US" altLang="ko-KR" b="0" i="1" smtClean="0">
-                        <a:latin typeface="Cambria Math" panose="02040503050406030204" pitchFamily="18" charset="0"/>
-                        <a:ea typeface="Cambria Math" panose="02040503050406030204" pitchFamily="18" charset="0"/>
-                      </a:rPr>
-                      <m:t>≤</m:t>
-                    </m:r>
-                    <m:r>
-                      <a:rPr lang="en-US" altLang="ko-KR" b="0" i="1" smtClean="0">
-                        <a:latin typeface="Cambria Math" panose="02040503050406030204" pitchFamily="18" charset="0"/>
-                        <a:ea typeface="Cambria Math" panose="02040503050406030204" pitchFamily="18" charset="0"/>
-                      </a:rPr>
-                      <m:t>𝑛</m:t>
-                    </m:r>
-                    <m:r>
-                      <a:rPr lang="en-US" altLang="ko-KR" b="0" i="1" smtClean="0">
-                        <a:latin typeface="Cambria Math" panose="02040503050406030204" pitchFamily="18" charset="0"/>
-                        <a:ea typeface="Cambria Math" panose="02040503050406030204" pitchFamily="18" charset="0"/>
-                      </a:rPr>
-                      <m:t>, 1≤</m:t>
-                    </m:r>
-                    <m:r>
-                      <a:rPr lang="en-US" altLang="ko-KR" b="0" i="1" smtClean="0">
-                        <a:latin typeface="Cambria Math" panose="02040503050406030204" pitchFamily="18" charset="0"/>
-                        <a:ea typeface="Cambria Math" panose="02040503050406030204" pitchFamily="18" charset="0"/>
-                      </a:rPr>
-                      <m:t>𝑗</m:t>
-                    </m:r>
-                    <m:r>
-                      <a:rPr lang="en-US" altLang="ko-KR" b="0" i="1" smtClean="0">
-                        <a:latin typeface="Cambria Math" panose="02040503050406030204" pitchFamily="18" charset="0"/>
-                        <a:ea typeface="Cambria Math" panose="02040503050406030204" pitchFamily="18" charset="0"/>
-                      </a:rPr>
-                      <m:t>≤</m:t>
-                    </m:r>
-                    <m:r>
-                      <a:rPr lang="en-US" altLang="ko-KR" b="0" i="1" smtClean="0">
-                        <a:latin typeface="Cambria Math" panose="02040503050406030204" pitchFamily="18" charset="0"/>
-                        <a:ea typeface="Cambria Math" panose="02040503050406030204" pitchFamily="18" charset="0"/>
-                      </a:rPr>
-                      <m:t>𝑛</m:t>
-                    </m:r>
-                    <m:r>
-                      <a:rPr lang="en-US" altLang="ko-KR" b="0" i="1" smtClean="0">
-                        <a:latin typeface="Cambria Math" panose="02040503050406030204" pitchFamily="18" charset="0"/>
-                        <a:ea typeface="Cambria Math" panose="02040503050406030204" pitchFamily="18" charset="0"/>
-                      </a:rPr>
-                      <m:t>, </m:t>
-                    </m:r>
-                    <m:r>
-                      <a:rPr lang="en-US" altLang="ko-KR" b="0" i="1" smtClean="0">
-                        <a:latin typeface="Cambria Math" panose="02040503050406030204" pitchFamily="18" charset="0"/>
-                        <a:ea typeface="Cambria Math" panose="02040503050406030204" pitchFamily="18" charset="0"/>
-                      </a:rPr>
-                      <m:t>𝑖</m:t>
-                    </m:r>
-                    <m:r>
-                      <a:rPr lang="en-US" altLang="ko-KR" b="0" i="1" smtClean="0">
-                        <a:latin typeface="Cambria Math" panose="02040503050406030204" pitchFamily="18" charset="0"/>
-                        <a:ea typeface="Cambria Math" panose="02040503050406030204" pitchFamily="18" charset="0"/>
-                      </a:rPr>
-                      <m:t>≠</m:t>
-                    </m:r>
-                    <m:r>
-                      <a:rPr lang="en-US" altLang="ko-KR" b="0" i="1" smtClean="0">
-                        <a:latin typeface="Cambria Math" panose="02040503050406030204" pitchFamily="18" charset="0"/>
-                        <a:ea typeface="Cambria Math" panose="02040503050406030204" pitchFamily="18" charset="0"/>
-                      </a:rPr>
-                      <m:t>𝑗</m:t>
-                    </m:r>
-                    <m:r>
-                      <a:rPr lang="en-US" altLang="ko-KR" b="0" i="1" smtClean="0">
-                        <a:latin typeface="Cambria Math" panose="02040503050406030204" pitchFamily="18" charset="0"/>
-                        <a:ea typeface="Cambria Math" panose="02040503050406030204" pitchFamily="18" charset="0"/>
-                      </a:rPr>
-                      <m:t>)}</m:t>
-                    </m:r>
-                  </m:oMath>
-                </a14:m>
-                <a:r>
-                  <a:rPr lang="en-US" altLang="ko-KR" dirty="0">
-                    <a:latin typeface="+mn-ea"/>
-                  </a:rPr>
-                  <a:t> </a:t>
-                </a:r>
-                <a:r>
-                  <a:rPr lang="ko-KR" altLang="en-US" dirty="0">
-                    <a:latin typeface="+mn-ea"/>
-                  </a:rPr>
-                  <a:t>라하자</a:t>
-                </a:r>
-                <a:r>
-                  <a:rPr lang="en-US" altLang="ko-KR" dirty="0">
-                    <a:latin typeface="+mn-ea"/>
-                  </a:rPr>
-                  <a:t>.</a:t>
-                </a:r>
-              </a:p>
-              <a:p>
-                <a:pPr>
-                  <a:lnSpc>
-                    <a:spcPct val="120000"/>
-                  </a:lnSpc>
-                </a:pPr>
-                <a:r>
-                  <a:rPr lang="ko-KR" altLang="en-US" dirty="0">
-                    <a:latin typeface="+mn-ea"/>
-                  </a:rPr>
-                  <a:t>그</a:t>
-                </a:r>
-                <a14:m>
-                  <m:oMath xmlns:m="http://schemas.openxmlformats.org/officeDocument/2006/math">
-                    <m:r>
-                      <a:rPr lang="ko-KR" altLang="en-US" i="1" dirty="0" smtClean="0">
-                        <a:latin typeface="Cambria Math" panose="02040503050406030204" pitchFamily="18" charset="0"/>
-                      </a:rPr>
-                      <m:t>렇</m:t>
-                    </m:r>
-                    <m:r>
-                      <a:rPr lang="ko-KR" altLang="en-US" i="1" dirty="0">
-                        <a:latin typeface="Cambria Math" panose="02040503050406030204" pitchFamily="18" charset="0"/>
-                      </a:rPr>
-                      <m:t>다</m:t>
-                    </m:r>
-                    <m:r>
-                      <a:rPr lang="ko-KR" altLang="en-US" i="1" dirty="0" smtClean="0">
-                        <a:latin typeface="Cambria Math" panose="02040503050406030204" pitchFamily="18" charset="0"/>
-                      </a:rPr>
-                      <m:t>면</m:t>
-                    </m:r>
-                    <m:r>
-                      <a:rPr lang="en-US" altLang="ko-KR" b="0" i="1" dirty="0" smtClean="0">
-                        <a:latin typeface="Cambria Math" panose="02040503050406030204" pitchFamily="18" charset="0"/>
-                      </a:rPr>
-                      <m:t> </m:t>
-                    </m:r>
-                    <m:sSub>
-                      <m:sSubPr>
-                        <m:ctrlPr>
-                          <a:rPr lang="en-US" altLang="ko-KR" i="1" smtClean="0">
-                            <a:latin typeface="Cambria Math" panose="02040503050406030204" pitchFamily="18" charset="0"/>
-                          </a:rPr>
-                        </m:ctrlPr>
-                      </m:sSubPr>
-                      <m:e>
-                        <m:r>
-                          <a:rPr lang="en-US" altLang="ko-KR" b="0" i="1" smtClean="0">
-                            <a:latin typeface="Cambria Math" panose="02040503050406030204" pitchFamily="18" charset="0"/>
-                          </a:rPr>
-                          <m:t>𝑏</m:t>
-                        </m:r>
-                      </m:e>
-                      <m:sub>
-                        <m:r>
-                          <a:rPr lang="en-US" altLang="ko-KR" b="0" i="1" smtClean="0">
-                            <a:latin typeface="Cambria Math" panose="02040503050406030204" pitchFamily="18" charset="0"/>
-                          </a:rPr>
-                          <m:t>𝑛</m:t>
-                        </m:r>
-                      </m:sub>
-                    </m:sSub>
-                    <m:r>
-                      <a:rPr lang="en-US" altLang="ko-KR" b="0" i="1" smtClean="0">
-                        <a:latin typeface="Cambria Math" panose="02040503050406030204" pitchFamily="18" charset="0"/>
-                      </a:rPr>
-                      <m:t> </m:t>
-                    </m:r>
-                  </m:oMath>
-                </a14:m>
-                <a:r>
-                  <a:rPr lang="ko-KR" altLang="en-US" dirty="0">
-                    <a:latin typeface="+mn-ea"/>
-                  </a:rPr>
-                  <a:t>은 트리의 루트 정점이 된다</a:t>
-                </a:r>
-                <a:r>
-                  <a:rPr lang="en-US" altLang="ko-KR" dirty="0">
-                    <a:latin typeface="+mn-ea"/>
-                  </a:rPr>
-                  <a:t>.</a:t>
-                </a:r>
-              </a:p>
-              <a:p>
-                <a:pPr>
-                  <a:lnSpc>
-                    <a:spcPct val="120000"/>
-                  </a:lnSpc>
-                </a:pPr>
-                <a:r>
-                  <a:rPr lang="ko-KR" altLang="en-US" dirty="0"/>
-                  <a:t>그</a:t>
-                </a:r>
-                <a14:m>
-                  <m:oMath xmlns:m="http://schemas.openxmlformats.org/officeDocument/2006/math">
-                    <m:r>
-                      <a:rPr lang="ko-KR" altLang="en-US" i="1">
-                        <a:latin typeface="Cambria Math" panose="02040503050406030204" pitchFamily="18" charset="0"/>
-                      </a:rPr>
-                      <m:t>리</m:t>
-                    </m:r>
-                    <m:r>
-                      <a:rPr lang="ko-KR" altLang="en-US" i="1" smtClean="0">
-                        <a:latin typeface="Cambria Math" panose="02040503050406030204" pitchFamily="18" charset="0"/>
-                      </a:rPr>
-                      <m:t>고</m:t>
-                    </m:r>
-                    <m:r>
-                      <a:rPr lang="en-US" altLang="ko-KR" b="0" i="1" smtClean="0">
-                        <a:latin typeface="Cambria Math" panose="02040503050406030204" pitchFamily="18" charset="0"/>
-                      </a:rPr>
-                      <m:t> </m:t>
-                    </m:r>
-                    <m:sSub>
-                      <m:sSubPr>
-                        <m:ctrlPr>
-                          <a:rPr lang="en-US" altLang="ko-KR" i="1" smtClean="0">
-                            <a:latin typeface="Cambria Math" panose="02040503050406030204" pitchFamily="18" charset="0"/>
-                          </a:rPr>
-                        </m:ctrlPr>
-                      </m:sSubPr>
-                      <m:e>
-                        <m:r>
-                          <a:rPr lang="en-US" altLang="ko-KR" b="0" i="1" smtClean="0">
-                            <a:latin typeface="Cambria Math" panose="02040503050406030204" pitchFamily="18" charset="0"/>
-                          </a:rPr>
-                          <m:t>𝑏</m:t>
-                        </m:r>
-                      </m:e>
-                      <m:sub>
-                        <m:r>
-                          <a:rPr lang="en-US" altLang="ko-KR" b="0" i="1" smtClean="0">
-                            <a:latin typeface="Cambria Math" panose="02040503050406030204" pitchFamily="18" charset="0"/>
-                          </a:rPr>
-                          <m:t>𝑛</m:t>
-                        </m:r>
-                      </m:sub>
-                    </m:sSub>
-                    <m:r>
-                      <a:rPr lang="en-US" altLang="ko-KR" b="0" i="1" smtClean="0">
-                        <a:latin typeface="Cambria Math" panose="02040503050406030204" pitchFamily="18" charset="0"/>
-                      </a:rPr>
-                      <m:t>= </m:t>
-                    </m:r>
-                    <m:sSub>
-                      <m:sSubPr>
-                        <m:ctrlPr>
-                          <a:rPr lang="en-US" altLang="ko-KR" b="0" i="1" smtClean="0">
-                            <a:latin typeface="Cambria Math" panose="02040503050406030204" pitchFamily="18" charset="0"/>
-                          </a:rPr>
-                        </m:ctrlPr>
-                      </m:sSubPr>
-                      <m:e>
-                        <m:r>
-                          <a:rPr lang="en-US" altLang="ko-KR" b="0" i="1" smtClean="0">
-                            <a:latin typeface="Cambria Math" panose="02040503050406030204" pitchFamily="18" charset="0"/>
-                          </a:rPr>
-                          <m:t>𝑎</m:t>
-                        </m:r>
-                      </m:e>
-                      <m:sub>
-                        <m:r>
-                          <a:rPr lang="en-US" altLang="ko-KR" b="0" i="1" smtClean="0">
-                            <a:latin typeface="Cambria Math" panose="02040503050406030204" pitchFamily="18" charset="0"/>
-                          </a:rPr>
-                          <m:t>𝑘</m:t>
-                        </m:r>
-                      </m:sub>
-                    </m:sSub>
-                    <m:r>
-                      <a:rPr lang="en-US" altLang="ko-KR" b="0" i="1" smtClean="0">
-                        <a:latin typeface="Cambria Math" panose="02040503050406030204" pitchFamily="18" charset="0"/>
-                      </a:rPr>
-                      <m:t> </m:t>
-                    </m:r>
-                    <m:r>
-                      <a:rPr lang="ko-KR" altLang="en-US" i="1">
-                        <a:latin typeface="Cambria Math" panose="02040503050406030204" pitchFamily="18" charset="0"/>
-                      </a:rPr>
-                      <m:t>를</m:t>
-                    </m:r>
-                  </m:oMath>
-                </a14:m>
-                <a:r>
-                  <a:rPr lang="en-US" altLang="ko-KR" dirty="0">
-                    <a:latin typeface="+mn-ea"/>
-                  </a:rPr>
-                  <a:t> </a:t>
-                </a:r>
-                <a:r>
-                  <a:rPr lang="ko-KR" altLang="en-US" dirty="0">
-                    <a:latin typeface="+mn-ea"/>
-                  </a:rPr>
-                  <a:t>만족하는 </a:t>
-                </a:r>
-                <a:r>
-                  <a:rPr lang="en-US" altLang="ko-KR" dirty="0">
-                    <a:latin typeface="+mn-ea"/>
-                  </a:rPr>
-                  <a:t>k </a:t>
-                </a:r>
-                <a:r>
-                  <a:rPr lang="ko-KR" altLang="en-US" dirty="0">
-                    <a:latin typeface="+mn-ea"/>
-                  </a:rPr>
-                  <a:t>는 반드시 존재한다</a:t>
-                </a:r>
-                <a:r>
-                  <a:rPr lang="en-US" altLang="ko-KR" dirty="0">
-                    <a:latin typeface="+mn-ea"/>
-                  </a:rPr>
-                  <a:t>.</a:t>
-                </a:r>
-              </a:p>
-            </p:txBody>
-          </p:sp>
-        </mc:Choice>
-        <mc:Fallback xmlns="">
-          <p:sp>
-            <p:nvSpPr>
-              <p:cNvPr id="3" name="내용 개체 틀 2">
-                <a:extLst>
-                  <a:ext uri="{FF2B5EF4-FFF2-40B4-BE49-F238E27FC236}">
-                    <a16:creationId xmlns:a16="http://schemas.microsoft.com/office/drawing/2014/main" id="{9157DAF6-4938-4D06-A46C-3399025FCF5E}"/>
-                  </a:ext>
-                </a:extLst>
-              </p:cNvPr>
-              <p:cNvSpPr>
-                <a:spLocks noGrp="1" noRot="1" noChangeAspect="1" noMove="1" noResize="1" noEditPoints="1" noAdjustHandles="1" noChangeArrowheads="1" noChangeShapeType="1" noTextEdit="1"/>
-              </p:cNvSpPr>
-              <p:nvPr>
-                <p:ph idx="1"/>
-              </p:nvPr>
-            </p:nvSpPr>
-            <p:spPr>
-              <a:blipFill>
-                <a:blip r:embed="rId2"/>
-                <a:stretch>
-                  <a:fillRect l="-1043" t="-560" r="-696"/>
-                </a:stretch>
-              </a:blipFill>
-            </p:spPr>
-            <p:txBody>
-              <a:bodyPr/>
-              <a:lstStyle/>
-              <a:p>
-                <a:r>
-                  <a:rPr lang="ko-KR" altLang="en-US">
-                    <a:noFill/>
-                  </a:rPr>
-                  <a:t> </a:t>
-                </a:r>
-              </a:p>
-            </p:txBody>
-          </p:sp>
-        </mc:Fallback>
-      </mc:AlternateContent>
-    </p:spTree>
-    <p:extLst>
-      <p:ext uri="{BB962C8B-B14F-4D97-AF65-F5344CB8AC3E}">
-        <p14:creationId xmlns:p14="http://schemas.microsoft.com/office/powerpoint/2010/main" val="474853832"/>
-      </p:ext>
-    </p:extLst>
-  </p:cSld>
-  <p:clrMapOvr>
-    <a:masterClrMapping/>
-  </p:clrMapOvr>
-</p:sld>
-</file>
-
-<file path=ppt/slides/slide21.xml><?xml version="1.0" encoding="utf-8"?>
-<p:sld xmlns:a="http://schemas.openxmlformats.org/drawingml/2006/main" xmlns:r="http://schemas.openxmlformats.org/officeDocument/2006/relationships" xmlns:p="http://schemas.openxmlformats.org/presentationml/2006/main">
-  <p:cSld>
-    <p:spTree>
-      <p:nvGrpSpPr>
-        <p:cNvPr id="1" name=""/>
-        <p:cNvGrpSpPr/>
-        <p:nvPr/>
-      </p:nvGrpSpPr>
-      <p:grpSpPr>
-        <a:xfrm>
-          <a:off x="0" y="0"/>
-          <a:ext cx="0" cy="0"/>
-          <a:chOff x="0" y="0"/>
-          <a:chExt cx="0" cy="0"/>
-        </a:xfrm>
-      </p:grpSpPr>
-      <p:sp>
-        <p:nvSpPr>
-          <p:cNvPr id="2" name="제목 1">
-            <a:extLst>
-              <a:ext uri="{FF2B5EF4-FFF2-40B4-BE49-F238E27FC236}">
-                <a16:creationId xmlns:a16="http://schemas.microsoft.com/office/drawing/2014/main" id="{971E1D43-6E2D-4C0D-B029-5E7B4A7B65C7}"/>
-              </a:ext>
-            </a:extLst>
-          </p:cNvPr>
-          <p:cNvSpPr>
-            <a:spLocks noGrp="1"/>
-          </p:cNvSpPr>
-          <p:nvPr>
-            <p:ph type="title"/>
-          </p:nvPr>
-        </p:nvSpPr>
-        <p:spPr/>
-        <p:txBody>
-          <a:bodyPr/>
-          <a:lstStyle/>
-          <a:p>
-            <a:r>
-              <a:rPr lang="en-US" altLang="ko-KR" dirty="0"/>
-              <a:t>5. </a:t>
-            </a:r>
-            <a:r>
-              <a:rPr lang="ko-KR" altLang="en-US" dirty="0"/>
-              <a:t>트리의 순회</a:t>
-            </a:r>
-          </a:p>
-        </p:txBody>
-      </p:sp>
-      <mc:AlternateContent xmlns:mc="http://schemas.openxmlformats.org/markup-compatibility/2006" xmlns:a14="http://schemas.microsoft.com/office/drawing/2010/main">
-        <mc:Choice Requires="a14">
-          <p:sp>
-            <p:nvSpPr>
-              <p:cNvPr id="3" name="내용 개체 틀 2">
-                <a:extLst>
-                  <a:ext uri="{FF2B5EF4-FFF2-40B4-BE49-F238E27FC236}">
-                    <a16:creationId xmlns:a16="http://schemas.microsoft.com/office/drawing/2014/main" id="{9157DAF6-4938-4D06-A46C-3399025FCF5E}"/>
-                  </a:ext>
-                </a:extLst>
-              </p:cNvPr>
-              <p:cNvSpPr>
-                <a:spLocks noGrp="1"/>
-              </p:cNvSpPr>
-              <p:nvPr>
-                <p:ph idx="1"/>
-              </p:nvPr>
-            </p:nvSpPr>
-            <p:spPr/>
-            <p:txBody>
-              <a:bodyPr>
-                <a:normAutofit/>
-              </a:bodyPr>
-              <a:lstStyle/>
-              <a:p>
-                <a:pPr>
-                  <a:lnSpc>
-                    <a:spcPct val="120000"/>
-                  </a:lnSpc>
-                </a:pPr>
-                <a:r>
-                  <a:rPr lang="ko-KR" altLang="en-US" dirty="0">
-                    <a:latin typeface="+mn-ea"/>
-                  </a:rPr>
-                  <a:t>그렇다면 왼쪽 </a:t>
-                </a:r>
-                <a:r>
-                  <a:rPr lang="ko-KR" altLang="en-US" dirty="0" err="1">
-                    <a:latin typeface="+mn-ea"/>
-                  </a:rPr>
-                  <a:t>서브트리의</a:t>
-                </a:r>
-                <a:r>
-                  <a:rPr lang="ko-KR" altLang="en-US" dirty="0">
-                    <a:latin typeface="+mn-ea"/>
-                  </a:rPr>
-                  <a:t> </a:t>
-                </a:r>
-                <a:r>
-                  <a:rPr lang="en-US" altLang="ko-KR" dirty="0" err="1">
-                    <a:latin typeface="+mn-ea"/>
-                  </a:rPr>
-                  <a:t>Inorder</a:t>
-                </a:r>
-                <a:r>
-                  <a:rPr lang="ko-KR" altLang="en-US" dirty="0">
-                    <a:latin typeface="+mn-ea"/>
-                  </a:rPr>
-                  <a:t> 함수의 방문 순서 </a:t>
-                </a:r>
-                <a14:m>
-                  <m:oMath xmlns:m="http://schemas.openxmlformats.org/officeDocument/2006/math">
-                    <m:sSub>
-                      <m:sSubPr>
-                        <m:ctrlPr>
-                          <a:rPr lang="en-US" altLang="ko-KR" i="1" smtClean="0">
-                            <a:latin typeface="Cambria Math" panose="02040503050406030204" pitchFamily="18" charset="0"/>
-                          </a:rPr>
-                        </m:ctrlPr>
-                      </m:sSubPr>
-                      <m:e>
-                        <m:r>
-                          <a:rPr lang="en-US" altLang="ko-KR" b="0" i="1" smtClean="0">
-                            <a:latin typeface="Cambria Math" panose="02040503050406030204" pitchFamily="18" charset="0"/>
-                          </a:rPr>
-                          <m:t>𝐴</m:t>
-                        </m:r>
-                      </m:e>
-                      <m:sub>
-                        <m:r>
-                          <a:rPr lang="en-US" altLang="ko-KR" b="0" i="1" smtClean="0">
-                            <a:latin typeface="Cambria Math" panose="02040503050406030204" pitchFamily="18" charset="0"/>
-                          </a:rPr>
-                          <m:t>𝐿𝑒𝑓𝑡</m:t>
-                        </m:r>
-                      </m:sub>
-                    </m:sSub>
-                    <m:r>
-                      <a:rPr lang="en-US" altLang="ko-KR" b="0" i="1" smtClean="0">
-                        <a:latin typeface="Cambria Math" panose="02040503050406030204" pitchFamily="18" charset="0"/>
-                      </a:rPr>
-                      <m:t>=</m:t>
-                    </m:r>
-                    <m:d>
-                      <m:dPr>
-                        <m:begChr m:val="{"/>
-                        <m:endChr m:val="|"/>
-                        <m:ctrlPr>
-                          <a:rPr lang="en-US" altLang="ko-KR" b="0" i="1" smtClean="0">
-                            <a:latin typeface="Cambria Math" panose="02040503050406030204" pitchFamily="18" charset="0"/>
-                          </a:rPr>
-                        </m:ctrlPr>
-                      </m:dPr>
-                      <m:e>
-                        <m:sSub>
-                          <m:sSubPr>
-                            <m:ctrlPr>
-                              <a:rPr lang="en-US" altLang="ko-KR" b="0" i="1" smtClean="0">
-                                <a:latin typeface="Cambria Math" panose="02040503050406030204" pitchFamily="18" charset="0"/>
-                              </a:rPr>
-                            </m:ctrlPr>
-                          </m:sSubPr>
-                          <m:e>
-                            <m:r>
-                              <a:rPr lang="en-US" altLang="ko-KR" b="0" i="1" smtClean="0">
-                                <a:latin typeface="Cambria Math" panose="02040503050406030204" pitchFamily="18" charset="0"/>
-                              </a:rPr>
-                              <m:t>𝑎</m:t>
-                            </m:r>
-                          </m:e>
-                          <m:sub>
-                            <m:r>
-                              <a:rPr lang="en-US" altLang="ko-KR" b="0" i="1" smtClean="0">
-                                <a:latin typeface="Cambria Math" panose="02040503050406030204" pitchFamily="18" charset="0"/>
-                              </a:rPr>
-                              <m:t>𝑖</m:t>
-                            </m:r>
-                          </m:sub>
-                        </m:sSub>
-                      </m:e>
-                    </m:d>
-                    <m:sSub>
-                      <m:sSubPr>
-                        <m:ctrlPr>
-                          <a:rPr lang="en-US" altLang="ko-KR" b="0" i="1" smtClean="0">
-                            <a:latin typeface="Cambria Math" panose="02040503050406030204" pitchFamily="18" charset="0"/>
-                          </a:rPr>
-                        </m:ctrlPr>
-                      </m:sSubPr>
-                      <m:e>
-                        <m:r>
-                          <a:rPr lang="en-US" altLang="ko-KR" b="0" i="1" smtClean="0">
-                            <a:latin typeface="Cambria Math" panose="02040503050406030204" pitchFamily="18" charset="0"/>
-                          </a:rPr>
-                          <m:t>𝑎</m:t>
-                        </m:r>
-                      </m:e>
-                      <m:sub>
-                        <m:r>
-                          <a:rPr lang="en-US" altLang="ko-KR" b="0" i="1" smtClean="0">
-                            <a:latin typeface="Cambria Math" panose="02040503050406030204" pitchFamily="18" charset="0"/>
-                          </a:rPr>
-                          <m:t>𝑖</m:t>
-                        </m:r>
-                      </m:sub>
-                    </m:sSub>
-                    <m:r>
-                      <a:rPr lang="en-US" altLang="ko-KR" b="0" i="1" smtClean="0">
-                        <a:latin typeface="Cambria Math" panose="02040503050406030204" pitchFamily="18" charset="0"/>
-                        <a:ea typeface="Cambria Math" panose="02040503050406030204" pitchFamily="18" charset="0"/>
-                      </a:rPr>
-                      <m:t>∈</m:t>
-                    </m:r>
-                    <m:r>
-                      <a:rPr lang="en-US" altLang="ko-KR" b="0" i="1" smtClean="0">
-                        <a:latin typeface="Cambria Math" panose="02040503050406030204" pitchFamily="18" charset="0"/>
-                        <a:ea typeface="Cambria Math" panose="02040503050406030204" pitchFamily="18" charset="0"/>
-                      </a:rPr>
-                      <m:t>𝐴</m:t>
-                    </m:r>
-                    <m:r>
-                      <a:rPr lang="en-US" altLang="ko-KR" b="0" i="1" smtClean="0">
-                        <a:latin typeface="Cambria Math" panose="02040503050406030204" pitchFamily="18" charset="0"/>
-                        <a:ea typeface="Cambria Math" panose="02040503050406030204" pitchFamily="18" charset="0"/>
-                      </a:rPr>
-                      <m:t>, 1≤</m:t>
-                    </m:r>
-                    <m:r>
-                      <a:rPr lang="en-US" altLang="ko-KR" b="0" i="1" smtClean="0">
-                        <a:latin typeface="Cambria Math" panose="02040503050406030204" pitchFamily="18" charset="0"/>
-                        <a:ea typeface="Cambria Math" panose="02040503050406030204" pitchFamily="18" charset="0"/>
-                      </a:rPr>
-                      <m:t>𝑖</m:t>
-                    </m:r>
-                    <m:r>
-                      <a:rPr lang="en-US" altLang="ko-KR" b="0" i="1" smtClean="0">
-                        <a:latin typeface="Cambria Math" panose="02040503050406030204" pitchFamily="18" charset="0"/>
-                        <a:ea typeface="Cambria Math" panose="02040503050406030204" pitchFamily="18" charset="0"/>
-                      </a:rPr>
-                      <m:t>&lt;</m:t>
-                    </m:r>
-                    <m:r>
-                      <a:rPr lang="en-US" altLang="ko-KR" b="0" i="1" smtClean="0">
-                        <a:latin typeface="Cambria Math" panose="02040503050406030204" pitchFamily="18" charset="0"/>
-                        <a:ea typeface="Cambria Math" panose="02040503050406030204" pitchFamily="18" charset="0"/>
-                      </a:rPr>
-                      <m:t>𝑘</m:t>
-                    </m:r>
-                    <m:r>
-                      <a:rPr lang="en-US" altLang="ko-KR" b="0" i="1" smtClean="0">
-                        <a:latin typeface="Cambria Math" panose="02040503050406030204" pitchFamily="18" charset="0"/>
-                        <a:ea typeface="Cambria Math" panose="02040503050406030204" pitchFamily="18" charset="0"/>
-                      </a:rPr>
-                      <m:t>} </m:t>
-                    </m:r>
-                  </m:oMath>
-                </a14:m>
-                <a:r>
-                  <a:rPr lang="ko-KR" altLang="en-US" dirty="0">
-                    <a:latin typeface="+mn-ea"/>
-                  </a:rPr>
-                  <a:t>이다</a:t>
-                </a:r>
-                <a:r>
-                  <a:rPr lang="en-US" altLang="ko-KR" dirty="0">
-                    <a:latin typeface="+mn-ea"/>
-                  </a:rPr>
-                  <a:t>.</a:t>
-                </a:r>
-              </a:p>
-              <a:p>
-                <a:pPr>
-                  <a:lnSpc>
-                    <a:spcPct val="120000"/>
-                  </a:lnSpc>
-                </a:pPr>
-                <a:r>
-                  <a:rPr lang="ko-KR" altLang="en-US" dirty="0">
-                    <a:latin typeface="+mn-ea"/>
-                  </a:rPr>
-                  <a:t>같은 트리에 대해서 </a:t>
-                </a:r>
-                <a:r>
-                  <a:rPr lang="en-US" altLang="ko-KR" dirty="0" err="1">
-                    <a:latin typeface="+mn-ea"/>
-                  </a:rPr>
-                  <a:t>Inorder</a:t>
-                </a:r>
-                <a:r>
-                  <a:rPr lang="ko-KR" altLang="en-US" dirty="0">
-                    <a:latin typeface="+mn-ea"/>
-                  </a:rPr>
-                  <a:t>로 방문한 정점의 수와 </a:t>
-                </a:r>
-                <a:r>
-                  <a:rPr lang="en-US" altLang="ko-KR" dirty="0" err="1">
-                    <a:latin typeface="+mn-ea"/>
-                  </a:rPr>
-                  <a:t>Postorder</a:t>
-                </a:r>
-                <a:r>
-                  <a:rPr lang="ko-KR" altLang="en-US" dirty="0">
-                    <a:latin typeface="+mn-ea"/>
-                  </a:rPr>
-                  <a:t>로 방문한 정점의 수는 같다</a:t>
-                </a:r>
-                <a:r>
-                  <a:rPr lang="en-US" altLang="ko-KR" dirty="0">
-                    <a:latin typeface="+mn-ea"/>
-                  </a:rPr>
-                  <a:t>. </a:t>
-                </a:r>
-              </a:p>
-              <a:p>
-                <a:pPr>
-                  <a:lnSpc>
-                    <a:spcPct val="120000"/>
-                  </a:lnSpc>
-                </a:pPr>
-                <a:r>
-                  <a:rPr lang="ko-KR" altLang="en-US" dirty="0">
-                    <a:latin typeface="+mn-ea"/>
-                  </a:rPr>
-                  <a:t>따라서 왼쪽 </a:t>
-                </a:r>
-                <a:r>
-                  <a:rPr lang="ko-KR" altLang="en-US" dirty="0" err="1">
-                    <a:latin typeface="+mn-ea"/>
-                  </a:rPr>
-                  <a:t>서브트리의</a:t>
-                </a:r>
-                <a:r>
-                  <a:rPr lang="ko-KR" altLang="en-US" dirty="0">
-                    <a:latin typeface="+mn-ea"/>
-                  </a:rPr>
-                  <a:t> </a:t>
-                </a:r>
-                <a:r>
-                  <a:rPr lang="en-US" altLang="ko-KR" dirty="0" err="1">
-                    <a:latin typeface="+mn-ea"/>
-                  </a:rPr>
-                  <a:t>Postorder</a:t>
-                </a:r>
-                <a:r>
-                  <a:rPr lang="ko-KR" altLang="en-US" dirty="0">
-                    <a:latin typeface="+mn-ea"/>
-                  </a:rPr>
-                  <a:t> 함수의 방문 순서 </a:t>
-                </a:r>
-                <a14:m>
-                  <m:oMath xmlns:m="http://schemas.openxmlformats.org/officeDocument/2006/math">
-                    <m:sSub>
-                      <m:sSubPr>
-                        <m:ctrlPr>
-                          <a:rPr lang="en-US" altLang="ko-KR" i="1" smtClean="0">
-                            <a:latin typeface="Cambria Math" panose="02040503050406030204" pitchFamily="18" charset="0"/>
-                          </a:rPr>
-                        </m:ctrlPr>
-                      </m:sSubPr>
-                      <m:e>
-                        <m:r>
-                          <a:rPr lang="en-US" altLang="ko-KR" b="0" i="1" smtClean="0">
-                            <a:latin typeface="Cambria Math" panose="02040503050406030204" pitchFamily="18" charset="0"/>
-                          </a:rPr>
-                          <m:t>𝐵</m:t>
-                        </m:r>
-                      </m:e>
-                      <m:sub>
-                        <m:r>
-                          <a:rPr lang="en-US" altLang="ko-KR" b="0" i="1" smtClean="0">
-                            <a:latin typeface="Cambria Math" panose="02040503050406030204" pitchFamily="18" charset="0"/>
-                          </a:rPr>
-                          <m:t>𝐿𝑒𝑓𝑡</m:t>
-                        </m:r>
-                      </m:sub>
-                    </m:sSub>
-                    <m:r>
-                      <a:rPr lang="en-US" altLang="ko-KR" b="0" i="1" smtClean="0">
-                        <a:latin typeface="Cambria Math" panose="02040503050406030204" pitchFamily="18" charset="0"/>
-                      </a:rPr>
-                      <m:t>=</m:t>
-                    </m:r>
-                    <m:d>
-                      <m:dPr>
-                        <m:begChr m:val="{"/>
-                        <m:endChr m:val="|"/>
-                        <m:ctrlPr>
-                          <a:rPr lang="en-US" altLang="ko-KR" b="0" i="1" smtClean="0">
-                            <a:latin typeface="Cambria Math" panose="02040503050406030204" pitchFamily="18" charset="0"/>
-                          </a:rPr>
-                        </m:ctrlPr>
-                      </m:dPr>
-                      <m:e>
-                        <m:sSub>
-                          <m:sSubPr>
-                            <m:ctrlPr>
-                              <a:rPr lang="en-US" altLang="ko-KR" b="0" i="1" smtClean="0">
-                                <a:latin typeface="Cambria Math" panose="02040503050406030204" pitchFamily="18" charset="0"/>
-                              </a:rPr>
-                            </m:ctrlPr>
-                          </m:sSubPr>
-                          <m:e>
-                            <m:r>
-                              <a:rPr lang="en-US" altLang="ko-KR" b="0" i="1" smtClean="0">
-                                <a:latin typeface="Cambria Math" panose="02040503050406030204" pitchFamily="18" charset="0"/>
-                              </a:rPr>
-                              <m:t>𝑏</m:t>
-                            </m:r>
-                          </m:e>
-                          <m:sub>
-                            <m:r>
-                              <a:rPr lang="en-US" altLang="ko-KR" b="0" i="1" smtClean="0">
-                                <a:latin typeface="Cambria Math" panose="02040503050406030204" pitchFamily="18" charset="0"/>
-                              </a:rPr>
-                              <m:t>𝑖</m:t>
-                            </m:r>
-                          </m:sub>
-                        </m:sSub>
-                      </m:e>
-                    </m:d>
-                    <m:sSub>
-                      <m:sSubPr>
-                        <m:ctrlPr>
-                          <a:rPr lang="en-US" altLang="ko-KR" b="0" i="1" smtClean="0">
-                            <a:latin typeface="Cambria Math" panose="02040503050406030204" pitchFamily="18" charset="0"/>
-                          </a:rPr>
-                        </m:ctrlPr>
-                      </m:sSubPr>
-                      <m:e>
-                        <m:r>
-                          <a:rPr lang="en-US" altLang="ko-KR" b="0" i="1" smtClean="0">
-                            <a:latin typeface="Cambria Math" panose="02040503050406030204" pitchFamily="18" charset="0"/>
-                          </a:rPr>
-                          <m:t>𝑏</m:t>
-                        </m:r>
-                      </m:e>
-                      <m:sub>
-                        <m:r>
-                          <a:rPr lang="en-US" altLang="ko-KR" b="0" i="1" smtClean="0">
-                            <a:latin typeface="Cambria Math" panose="02040503050406030204" pitchFamily="18" charset="0"/>
-                          </a:rPr>
-                          <m:t>𝑖</m:t>
-                        </m:r>
-                      </m:sub>
-                    </m:sSub>
-                    <m:r>
-                      <a:rPr lang="en-US" altLang="ko-KR" b="0" i="1" smtClean="0">
-                        <a:latin typeface="Cambria Math" panose="02040503050406030204" pitchFamily="18" charset="0"/>
-                        <a:ea typeface="Cambria Math" panose="02040503050406030204" pitchFamily="18" charset="0"/>
-                      </a:rPr>
-                      <m:t>∈</m:t>
-                    </m:r>
-                    <m:r>
-                      <a:rPr lang="en-US" altLang="ko-KR" b="0" i="1" smtClean="0">
-                        <a:latin typeface="Cambria Math" panose="02040503050406030204" pitchFamily="18" charset="0"/>
-                        <a:ea typeface="Cambria Math" panose="02040503050406030204" pitchFamily="18" charset="0"/>
-                      </a:rPr>
-                      <m:t>𝐵</m:t>
-                    </m:r>
-                    <m:r>
-                      <a:rPr lang="en-US" altLang="ko-KR" b="0" i="1" smtClean="0">
-                        <a:latin typeface="Cambria Math" panose="02040503050406030204" pitchFamily="18" charset="0"/>
-                        <a:ea typeface="Cambria Math" panose="02040503050406030204" pitchFamily="18" charset="0"/>
-                      </a:rPr>
-                      <m:t>, 1≤</m:t>
-                    </m:r>
-                    <m:r>
-                      <a:rPr lang="en-US" altLang="ko-KR" b="0" i="1" smtClean="0">
-                        <a:latin typeface="Cambria Math" panose="02040503050406030204" pitchFamily="18" charset="0"/>
-                        <a:ea typeface="Cambria Math" panose="02040503050406030204" pitchFamily="18" charset="0"/>
-                      </a:rPr>
-                      <m:t>𝑖</m:t>
-                    </m:r>
-                    <m:r>
-                      <a:rPr lang="en-US" altLang="ko-KR" b="0" i="1" smtClean="0">
-                        <a:latin typeface="Cambria Math" panose="02040503050406030204" pitchFamily="18" charset="0"/>
-                        <a:ea typeface="Cambria Math" panose="02040503050406030204" pitchFamily="18" charset="0"/>
-                      </a:rPr>
-                      <m:t>&lt;</m:t>
-                    </m:r>
-                    <m:r>
-                      <a:rPr lang="en-US" altLang="ko-KR" b="0" i="1" smtClean="0">
-                        <a:latin typeface="Cambria Math" panose="02040503050406030204" pitchFamily="18" charset="0"/>
-                        <a:ea typeface="Cambria Math" panose="02040503050406030204" pitchFamily="18" charset="0"/>
-                      </a:rPr>
-                      <m:t>𝑘</m:t>
-                    </m:r>
-                    <m:r>
-                      <a:rPr lang="en-US" altLang="ko-KR" b="0" i="1" smtClean="0">
-                        <a:latin typeface="Cambria Math" panose="02040503050406030204" pitchFamily="18" charset="0"/>
-                        <a:ea typeface="Cambria Math" panose="02040503050406030204" pitchFamily="18" charset="0"/>
-                      </a:rPr>
-                      <m:t>} </m:t>
-                    </m:r>
-                  </m:oMath>
-                </a14:m>
-                <a:r>
-                  <a:rPr lang="ko-KR" altLang="en-US" dirty="0">
-                    <a:latin typeface="+mn-ea"/>
-                  </a:rPr>
-                  <a:t>이다</a:t>
-                </a:r>
-                <a:r>
-                  <a:rPr lang="en-US" altLang="ko-KR">
-                    <a:latin typeface="+mn-ea"/>
-                  </a:rPr>
-                  <a:t>. </a:t>
-                </a:r>
-                <a:endParaRPr lang="en-US" altLang="ko-KR" dirty="0">
-                  <a:latin typeface="+mn-ea"/>
-                </a:endParaRPr>
-              </a:p>
-            </p:txBody>
-          </p:sp>
-        </mc:Choice>
-        <mc:Fallback xmlns="">
-          <p:sp>
-            <p:nvSpPr>
-              <p:cNvPr id="3" name="내용 개체 틀 2">
-                <a:extLst>
-                  <a:ext uri="{FF2B5EF4-FFF2-40B4-BE49-F238E27FC236}">
-                    <a16:creationId xmlns:a16="http://schemas.microsoft.com/office/drawing/2014/main" id="{9157DAF6-4938-4D06-A46C-3399025FCF5E}"/>
-                  </a:ext>
-                </a:extLst>
-              </p:cNvPr>
-              <p:cNvSpPr>
-                <a:spLocks noGrp="1" noRot="1" noChangeAspect="1" noMove="1" noResize="1" noEditPoints="1" noAdjustHandles="1" noChangeArrowheads="1" noChangeShapeType="1" noTextEdit="1"/>
-              </p:cNvSpPr>
-              <p:nvPr>
-                <p:ph idx="1"/>
-              </p:nvPr>
-            </p:nvSpPr>
-            <p:spPr>
-              <a:blipFill>
-                <a:blip r:embed="rId2"/>
-                <a:stretch>
-                  <a:fillRect l="-1043" r="-58"/>
-                </a:stretch>
-              </a:blipFill>
-            </p:spPr>
-            <p:txBody>
-              <a:bodyPr/>
-              <a:lstStyle/>
-              <a:p>
-                <a:r>
-                  <a:rPr lang="ko-KR" altLang="en-US">
-                    <a:noFill/>
-                  </a:rPr>
-                  <a:t> </a:t>
-                </a:r>
-              </a:p>
-            </p:txBody>
-          </p:sp>
-        </mc:Fallback>
-      </mc:AlternateContent>
-    </p:spTree>
-    <p:extLst>
-      <p:ext uri="{BB962C8B-B14F-4D97-AF65-F5344CB8AC3E}">
-        <p14:creationId xmlns:p14="http://schemas.microsoft.com/office/powerpoint/2010/main" val="372355268"/>
-      </p:ext>
-    </p:extLst>
-  </p:cSld>
-  <p:clrMapOvr>
-    <a:masterClrMapping/>
-  </p:clrMapOvr>
-</p:sld>
-</file>
-
-<file path=ppt/slides/slide22.xml><?xml version="1.0" encoding="utf-8"?>
-<p:sld xmlns:a="http://schemas.openxmlformats.org/drawingml/2006/main" xmlns:r="http://schemas.openxmlformats.org/officeDocument/2006/relationships" xmlns:p="http://schemas.openxmlformats.org/presentationml/2006/main">
-  <p:cSld>
-    <p:spTree>
-      <p:nvGrpSpPr>
-        <p:cNvPr id="1" name=""/>
-        <p:cNvGrpSpPr/>
-        <p:nvPr/>
-      </p:nvGrpSpPr>
-      <p:grpSpPr>
-        <a:xfrm>
-          <a:off x="0" y="0"/>
-          <a:ext cx="0" cy="0"/>
-          <a:chOff x="0" y="0"/>
-          <a:chExt cx="0" cy="0"/>
-        </a:xfrm>
-      </p:grpSpPr>
-      <p:sp>
-        <p:nvSpPr>
-          <p:cNvPr id="2" name="제목 1">
-            <a:extLst>
-              <a:ext uri="{FF2B5EF4-FFF2-40B4-BE49-F238E27FC236}">
-                <a16:creationId xmlns:a16="http://schemas.microsoft.com/office/drawing/2014/main" id="{971E1D43-6E2D-4C0D-B029-5E7B4A7B65C7}"/>
-              </a:ext>
-            </a:extLst>
-          </p:cNvPr>
-          <p:cNvSpPr>
-            <a:spLocks noGrp="1"/>
-          </p:cNvSpPr>
-          <p:nvPr>
-            <p:ph type="title"/>
-          </p:nvPr>
-        </p:nvSpPr>
-        <p:spPr/>
-        <p:txBody>
-          <a:bodyPr/>
-          <a:lstStyle/>
-          <a:p>
-            <a:r>
-              <a:rPr lang="en-US" altLang="ko-KR" dirty="0"/>
-              <a:t>5. </a:t>
-            </a:r>
-            <a:r>
-              <a:rPr lang="ko-KR" altLang="en-US" dirty="0"/>
-              <a:t>트리의 순회</a:t>
-            </a:r>
-          </a:p>
-        </p:txBody>
-      </p:sp>
-      <mc:AlternateContent xmlns:mc="http://schemas.openxmlformats.org/markup-compatibility/2006" xmlns:a14="http://schemas.microsoft.com/office/drawing/2010/main">
-        <mc:Choice Requires="a14">
-          <p:sp>
-            <p:nvSpPr>
-              <p:cNvPr id="3" name="내용 개체 틀 2">
-                <a:extLst>
-                  <a:ext uri="{FF2B5EF4-FFF2-40B4-BE49-F238E27FC236}">
-                    <a16:creationId xmlns:a16="http://schemas.microsoft.com/office/drawing/2014/main" id="{9157DAF6-4938-4D06-A46C-3399025FCF5E}"/>
-                  </a:ext>
-                </a:extLst>
-              </p:cNvPr>
-              <p:cNvSpPr>
-                <a:spLocks noGrp="1"/>
-              </p:cNvSpPr>
-              <p:nvPr>
-                <p:ph idx="1"/>
-              </p:nvPr>
-            </p:nvSpPr>
-            <p:spPr/>
-            <p:txBody>
-              <a:bodyPr>
-                <a:normAutofit/>
-              </a:bodyPr>
-              <a:lstStyle/>
-              <a:p>
-                <a:pPr>
-                  <a:lnSpc>
-                    <a:spcPct val="120000"/>
-                  </a:lnSpc>
-                </a:pPr>
-                <a:r>
                   <a:rPr lang="ko-KR" altLang="en-US" dirty="0">
                     <a:latin typeface="+mn-ea"/>
                   </a:rPr>
@@ -11481,7 +9871,7 @@
 </p:sld>
 </file>
 
-<file path=ppt/slides/slide23.xml><?xml version="1.0" encoding="utf-8"?>
+<file path=ppt/slides/slide21.xml><?xml version="1.0" encoding="utf-8"?>
 <p:sld xmlns:a="http://schemas.openxmlformats.org/drawingml/2006/main" xmlns:r="http://schemas.openxmlformats.org/officeDocument/2006/relationships" xmlns:p="http://schemas.openxmlformats.org/presentationml/2006/main">
   <p:cSld>
     <p:spTree>
